--- a/lesson-4/Slides.pptx
+++ b/lesson-4/Slides.pptx
@@ -5,17 +5,16 @@
     <p:sldMasterId id="2147483648" r:id="rId1"/>
   </p:sldMasterIdLst>
   <p:notesMasterIdLst>
-    <p:notesMasterId r:id="rId7"/>
+    <p:notesMasterId r:id="rId6"/>
   </p:notesMasterIdLst>
   <p:handoutMasterIdLst>
-    <p:handoutMasterId r:id="rId8"/>
+    <p:handoutMasterId r:id="rId7"/>
   </p:handoutMasterIdLst>
   <p:sldIdLst>
     <p:sldId id="524" r:id="rId2"/>
-    <p:sldId id="570" r:id="rId3"/>
-    <p:sldId id="575" r:id="rId4"/>
-    <p:sldId id="574" r:id="rId5"/>
-    <p:sldId id="573" r:id="rId6"/>
+    <p:sldId id="575" r:id="rId3"/>
+    <p:sldId id="574" r:id="rId4"/>
+    <p:sldId id="573" r:id="rId5"/>
   </p:sldIdLst>
   <p:sldSz cx="12192000" cy="6858000"/>
   <p:notesSz cx="6858000" cy="9144000"/>
@@ -127,7 +126,6 @@
         </p14:section>
         <p14:section name="What have we built" id="{4C41657C-394A-9141-A53F-3BD844431C9E}">
           <p14:sldIdLst>
-            <p14:sldId id="570"/>
             <p14:sldId id="575"/>
             <p14:sldId id="574"/>
             <p14:sldId id="573"/>
@@ -813,355 +811,54 @@
           <a:bodyPr/>
           <a:lstStyle/>
           <a:p>
-            <a:pPr marL="0" marR="0" indent="0" algn="l" defTabSz="914400" rtl="0" eaLnBrk="1" fontAlgn="auto" latinLnBrk="0" hangingPunct="1">
-              <a:lnSpc>
-                <a:spcPct val="100000"/>
-              </a:lnSpc>
-              <a:spcBef>
-                <a:spcPts val="0"/>
-              </a:spcBef>
-              <a:spcAft>
-                <a:spcPts val="0"/>
-              </a:spcAft>
-              <a:buClrTx/>
-              <a:buSzTx/>
-              <a:buFontTx/>
-              <a:buNone/>
-              <a:tabLst/>
-              <a:defRPr/>
-            </a:pPr>
             <a:r>
-              <a:rPr lang="en-US" sz="1200" b="1" kern="1200" dirty="0" smtClean="0">
-                <a:solidFill>
-                  <a:schemeClr val="tx1"/>
-                </a:solidFill>
-                <a:effectLst/>
-                <a:latin typeface="+mn-lt"/>
-                <a:ea typeface="+mn-ea"/>
-                <a:cs typeface="+mn-cs"/>
-              </a:rPr>
-              <a:t>Sam</a:t>
+              <a:rPr lang="en-US" b="1" dirty="0" smtClean="0"/>
+              <a:t>Pete</a:t>
             </a:r>
           </a:p>
           <a:p>
-            <a:pPr marL="0" marR="0" indent="0" algn="l" defTabSz="914400" rtl="0" eaLnBrk="1" fontAlgn="auto" latinLnBrk="0" hangingPunct="1">
-              <a:lnSpc>
-                <a:spcPct val="100000"/>
-              </a:lnSpc>
-              <a:spcBef>
-                <a:spcPts val="0"/>
-              </a:spcBef>
-              <a:spcAft>
-                <a:spcPts val="0"/>
-              </a:spcAft>
-              <a:buClrTx/>
-              <a:buSzTx/>
-              <a:buFontTx/>
-              <a:buNone/>
-              <a:tabLst/>
-              <a:defRPr/>
-            </a:pPr>
             <a:r>
-              <a:rPr lang="en-US" sz="1200" kern="1200" dirty="0" smtClean="0">
-                <a:solidFill>
-                  <a:schemeClr val="tx1"/>
-                </a:solidFill>
-                <a:effectLst/>
-                <a:latin typeface="+mn-lt"/>
-                <a:ea typeface="+mn-ea"/>
-                <a:cs typeface="+mn-cs"/>
-              </a:rPr>
-              <a:t>This is probably the</a:t>
+              <a:rPr lang="en-US" dirty="0" smtClean="0"/>
+              <a:t>Here’s a basic use cases where Lambda functions serve as a back end for a web</a:t>
             </a:r>
             <a:r>
-              <a:rPr lang="en-US" sz="1200" kern="1200" baseline="0" dirty="0" smtClean="0">
-                <a:solidFill>
-                  <a:schemeClr val="tx1"/>
-                </a:solidFill>
-                <a:effectLst/>
-                <a:latin typeface="+mn-lt"/>
-                <a:ea typeface="+mn-ea"/>
-                <a:cs typeface="+mn-cs"/>
-              </a:rPr>
-              <a:t> most important principle. Run your code in a stateless compute service such as Lambda. Don’t be silly. Don’t run or manage a server. Your goal is usually to solve an interesting business problem. Not fiddle around patching apache.</a:t>
+              <a:rPr lang="en-US" baseline="0" dirty="0" smtClean="0"/>
+              <a:t> or a mobile application. Our client application talks to Lambda functions via the API Gateway. As far as a client is aware, it is talking to a </a:t>
+            </a:r>
+            <a:r>
+              <a:rPr lang="en-US" baseline="0" dirty="0" err="1" smtClean="0"/>
+              <a:t>RESTful</a:t>
+            </a:r>
+            <a:r>
+              <a:rPr lang="en-US" baseline="0" dirty="0" smtClean="0"/>
+              <a:t> interface using HTTP. It doesn’t know that there are Lambda functions behind this </a:t>
+            </a:r>
+            <a:r>
+              <a:rPr lang="en-US" baseline="0" dirty="0" err="1" smtClean="0"/>
+              <a:t>RESTful</a:t>
+            </a:r>
+            <a:r>
+              <a:rPr lang="en-US" baseline="0" dirty="0" smtClean="0"/>
+              <a:t> interface and it doesn’t really need to know. </a:t>
             </a:r>
           </a:p>
           <a:p>
-            <a:pPr marL="0" marR="0" indent="0" algn="l" defTabSz="914400" rtl="0" eaLnBrk="1" fontAlgn="auto" latinLnBrk="0" hangingPunct="1">
-              <a:lnSpc>
-                <a:spcPct val="100000"/>
-              </a:lnSpc>
-              <a:spcBef>
-                <a:spcPts val="0"/>
-              </a:spcBef>
-              <a:spcAft>
-                <a:spcPts val="0"/>
-              </a:spcAft>
-              <a:buClrTx/>
-              <a:buSzTx/>
-              <a:buFontTx/>
-              <a:buNone/>
-              <a:tabLst/>
-              <a:defRPr/>
-            </a:pPr>
-            <a:endParaRPr lang="en-US" sz="1200" kern="1200" dirty="0" smtClean="0">
-              <a:solidFill>
-                <a:schemeClr val="tx1"/>
-              </a:solidFill>
-              <a:effectLst/>
-              <a:latin typeface="+mn-lt"/>
-              <a:ea typeface="+mn-ea"/>
-              <a:cs typeface="+mn-cs"/>
-            </a:endParaRPr>
+            <a:endParaRPr lang="en-US" baseline="0" dirty="0" smtClean="0"/>
           </a:p>
           <a:p>
-            <a:pPr marL="0" marR="0" indent="0" algn="l" defTabSz="914400" rtl="0" eaLnBrk="1" fontAlgn="auto" latinLnBrk="0" hangingPunct="1">
-              <a:lnSpc>
-                <a:spcPct val="100000"/>
-              </a:lnSpc>
-              <a:spcBef>
-                <a:spcPts val="0"/>
-              </a:spcBef>
-              <a:spcAft>
-                <a:spcPts val="0"/>
-              </a:spcAft>
-              <a:buClrTx/>
-              <a:buSzTx/>
-              <a:buFontTx/>
-              <a:buNone/>
-              <a:tabLst/>
-              <a:defRPr/>
-            </a:pPr>
             <a:r>
-              <a:rPr lang="en-US" sz="1200" kern="1200" dirty="0" smtClean="0">
-                <a:solidFill>
-                  <a:schemeClr val="tx1"/>
-                </a:solidFill>
-                <a:effectLst/>
-                <a:latin typeface="+mn-lt"/>
-                <a:ea typeface="+mn-ea"/>
-                <a:cs typeface="+mn-cs"/>
-              </a:rPr>
-              <a:t>You can </a:t>
-            </a:r>
-            <a:r>
-              <a:rPr lang="x-none" sz="1200" kern="1200" dirty="0" smtClean="0">
-                <a:solidFill>
-                  <a:schemeClr val="tx1"/>
-                </a:solidFill>
-                <a:effectLst/>
-                <a:latin typeface="+mn-lt"/>
-                <a:ea typeface="+mn-ea"/>
-                <a:cs typeface="+mn-cs"/>
-              </a:rPr>
-              <a:t>write functions to carry out almost any common task, such as reading and writing to a data source, calling out to other functions, and performing a calculation. </a:t>
-            </a:r>
-            <a:endParaRPr lang="en-AU" sz="1200" kern="1200" dirty="0" smtClean="0">
-              <a:solidFill>
-                <a:schemeClr val="tx1"/>
-              </a:solidFill>
-              <a:effectLst/>
-              <a:latin typeface="+mn-lt"/>
-              <a:ea typeface="+mn-ea"/>
-              <a:cs typeface="+mn-cs"/>
-            </a:endParaRPr>
-          </a:p>
-          <a:p>
-            <a:pPr marL="0" marR="0" indent="0" algn="l" defTabSz="914400" rtl="0" eaLnBrk="1" fontAlgn="auto" latinLnBrk="0" hangingPunct="1">
-              <a:lnSpc>
-                <a:spcPct val="100000"/>
-              </a:lnSpc>
-              <a:spcBef>
-                <a:spcPts val="0"/>
-              </a:spcBef>
-              <a:spcAft>
-                <a:spcPts val="0"/>
-              </a:spcAft>
-              <a:buClrTx/>
-              <a:buSzTx/>
-              <a:buFontTx/>
-              <a:buNone/>
-              <a:tabLst/>
-              <a:defRPr/>
-            </a:pPr>
-            <a:endParaRPr lang="en-AU" sz="1200" kern="1200" dirty="0" smtClean="0">
-              <a:solidFill>
-                <a:schemeClr val="tx1"/>
-              </a:solidFill>
-              <a:effectLst/>
-              <a:latin typeface="+mn-lt"/>
-              <a:ea typeface="+mn-ea"/>
-              <a:cs typeface="+mn-cs"/>
-            </a:endParaRPr>
-          </a:p>
-          <a:p>
-            <a:pPr marL="0" marR="0" indent="0" algn="l" defTabSz="914400" rtl="0" eaLnBrk="1" fontAlgn="auto" latinLnBrk="0" hangingPunct="1">
-              <a:lnSpc>
-                <a:spcPct val="100000"/>
-              </a:lnSpc>
-              <a:spcBef>
-                <a:spcPts val="0"/>
-              </a:spcBef>
-              <a:spcAft>
-                <a:spcPts val="0"/>
-              </a:spcAft>
-              <a:buClrTx/>
-              <a:buSzTx/>
-              <a:buFontTx/>
-              <a:buNone/>
-              <a:tabLst/>
-              <a:defRPr/>
-            </a:pPr>
-            <a:r>
-              <a:rPr lang="en-AU" sz="1200" kern="1200" dirty="0" smtClean="0">
-                <a:solidFill>
-                  <a:schemeClr val="tx1"/>
-                </a:solidFill>
-                <a:effectLst/>
-                <a:latin typeface="+mn-lt"/>
-                <a:ea typeface="+mn-ea"/>
-                <a:cs typeface="+mn-cs"/>
-              </a:rPr>
-              <a:t>Another compelling thing about Lambda</a:t>
-            </a:r>
-            <a:r>
-              <a:rPr lang="en-AU" sz="1200" kern="1200" baseline="0" dirty="0" smtClean="0">
-                <a:solidFill>
-                  <a:schemeClr val="tx1"/>
-                </a:solidFill>
-                <a:effectLst/>
-                <a:latin typeface="+mn-lt"/>
-                <a:ea typeface="+mn-ea"/>
-                <a:cs typeface="+mn-cs"/>
-              </a:rPr>
-              <a:t> is that you only pay for the time that your code executes. This means you are billed in milliseconds not hours. It massively reduces your hosting costs because you are not paying for servers to sit around idling, waiting for requests. In fact, due to a generous free tier, we have never paid for Lambda.</a:t>
+              <a:rPr lang="en-US" baseline="0" dirty="0" smtClean="0"/>
+              <a:t>The Lambda runtime instantiates required Lambda functions for each request. Security is taken care of at the API Gateway or at each individual function. Our system can handle many simultaneous requests. </a:t>
             </a:r>
           </a:p>
           <a:p>
-            <a:pPr marL="0" marR="0" indent="0" algn="l" defTabSz="914400" rtl="0" eaLnBrk="1" fontAlgn="auto" latinLnBrk="0" hangingPunct="1">
-              <a:lnSpc>
-                <a:spcPct val="100000"/>
-              </a:lnSpc>
-              <a:spcBef>
-                <a:spcPts val="0"/>
-              </a:spcBef>
-              <a:spcAft>
-                <a:spcPts val="0"/>
-              </a:spcAft>
-              <a:buClrTx/>
-              <a:buSzTx/>
-              <a:buFontTx/>
-              <a:buNone/>
-              <a:tabLst/>
-              <a:defRPr/>
-            </a:pPr>
-            <a:endParaRPr lang="en-US" sz="1200" kern="1200" dirty="0" smtClean="0">
-              <a:solidFill>
-                <a:schemeClr val="tx1"/>
-              </a:solidFill>
-              <a:effectLst/>
-              <a:latin typeface="+mn-lt"/>
-              <a:ea typeface="+mn-ea"/>
-              <a:cs typeface="+mn-cs"/>
-            </a:endParaRPr>
+            <a:endParaRPr lang="en-US" baseline="0" dirty="0" smtClean="0"/>
           </a:p>
           <a:p>
-            <a:pPr marL="0" marR="0" indent="0" algn="l" defTabSz="914400" rtl="0" eaLnBrk="1" fontAlgn="auto" latinLnBrk="0" hangingPunct="1">
-              <a:lnSpc>
-                <a:spcPct val="100000"/>
-              </a:lnSpc>
-              <a:spcBef>
-                <a:spcPts val="0"/>
-              </a:spcBef>
-              <a:spcAft>
-                <a:spcPts val="0"/>
-              </a:spcAft>
-              <a:buClrTx/>
-              <a:buSzTx/>
-              <a:buFontTx/>
-              <a:buNone/>
-              <a:tabLst/>
-              <a:defRPr/>
-            </a:pPr>
             <a:r>
-              <a:rPr lang="x-none" sz="1200" kern="1200" dirty="0" smtClean="0">
-                <a:solidFill>
-                  <a:schemeClr val="tx1"/>
-                </a:solidFill>
-                <a:effectLst/>
-                <a:latin typeface="+mn-lt"/>
-                <a:ea typeface="+mn-ea"/>
-                <a:cs typeface="+mn-cs"/>
-              </a:rPr>
-              <a:t>There might be scenarios where a server is still needed to do something. These cases, however, may be far and few between and as a developer you should avoid running and interacting with a server if possible.</a:t>
+              <a:rPr lang="en-US" baseline="0" dirty="0" smtClean="0"/>
+              <a:t>Every Lambda function connected to the API Gateway receives a request, does the required processing and returns a response via the API Gateway. Every Lambda function can invoke another Lambda function or another service. And, it doesn’t have to be an AWS service. We use Firebase as our primary user-facing database and our Lambda functions regularly talk to it.</a:t>
             </a:r>
-            <a:endParaRPr lang="en-US" sz="1200" kern="1200" dirty="0" smtClean="0">
-              <a:solidFill>
-                <a:schemeClr val="tx1"/>
-              </a:solidFill>
-              <a:effectLst/>
-              <a:latin typeface="+mn-lt"/>
-              <a:ea typeface="+mn-ea"/>
-              <a:cs typeface="+mn-cs"/>
-            </a:endParaRPr>
-          </a:p>
-          <a:p>
-            <a:pPr marL="0" marR="0" indent="0" algn="l" defTabSz="914400" rtl="0" eaLnBrk="1" fontAlgn="auto" latinLnBrk="0" hangingPunct="1">
-              <a:lnSpc>
-                <a:spcPct val="100000"/>
-              </a:lnSpc>
-              <a:spcBef>
-                <a:spcPts val="0"/>
-              </a:spcBef>
-              <a:spcAft>
-                <a:spcPts val="0"/>
-              </a:spcAft>
-              <a:buClrTx/>
-              <a:buSzTx/>
-              <a:buFontTx/>
-              <a:buNone/>
-              <a:tabLst/>
-              <a:defRPr/>
-            </a:pPr>
-            <a:endParaRPr lang="en-US" sz="1200" kern="1200" dirty="0" smtClean="0">
-              <a:solidFill>
-                <a:schemeClr val="tx1"/>
-              </a:solidFill>
-              <a:effectLst/>
-              <a:latin typeface="+mn-lt"/>
-              <a:ea typeface="+mn-ea"/>
-              <a:cs typeface="+mn-cs"/>
-            </a:endParaRPr>
-          </a:p>
-          <a:p>
-            <a:pPr marL="0" marR="0" indent="0" algn="l" defTabSz="914400" rtl="0" eaLnBrk="1" fontAlgn="auto" latinLnBrk="0" hangingPunct="1">
-              <a:lnSpc>
-                <a:spcPct val="100000"/>
-              </a:lnSpc>
-              <a:spcBef>
-                <a:spcPts val="0"/>
-              </a:spcBef>
-              <a:spcAft>
-                <a:spcPts val="0"/>
-              </a:spcAft>
-              <a:buClrTx/>
-              <a:buSzTx/>
-              <a:buFontTx/>
-              <a:buNone/>
-              <a:tabLst/>
-              <a:defRPr/>
-            </a:pPr>
-            <a:endParaRPr lang="en-US" sz="1200" kern="1200" dirty="0" smtClean="0">
-              <a:solidFill>
-                <a:schemeClr val="tx1"/>
-              </a:solidFill>
-              <a:effectLst/>
-              <a:latin typeface="+mn-lt"/>
-              <a:ea typeface="+mn-ea"/>
-              <a:cs typeface="+mn-cs"/>
-            </a:endParaRPr>
-          </a:p>
-          <a:p>
             <a:endParaRPr lang="en-US" dirty="0"/>
           </a:p>
         </p:txBody>
@@ -1192,7 +889,7 @@
     </p:spTree>
     <p:extLst>
       <p:ext uri="{BB962C8B-B14F-4D97-AF65-F5344CB8AC3E}">
-        <p14:creationId xmlns:p14="http://schemas.microsoft.com/office/powerpoint/2010/main" val="121835510"/>
+        <p14:creationId xmlns:p14="http://schemas.microsoft.com/office/powerpoint/2010/main" val="1198536137"/>
       </p:ext>
     </p:extLst>
   </p:cSld>
@@ -1324,7 +1021,7 @@
     </p:spTree>
     <p:extLst>
       <p:ext uri="{BB962C8B-B14F-4D97-AF65-F5344CB8AC3E}">
-        <p14:creationId xmlns:p14="http://schemas.microsoft.com/office/powerpoint/2010/main" val="1198536137"/>
+        <p14:creationId xmlns:p14="http://schemas.microsoft.com/office/powerpoint/2010/main" val="1407835346"/>
       </p:ext>
     </p:extLst>
   </p:cSld>
@@ -1448,138 +1145,6 @@
             <a:fld id="{55C38DD1-33AA-4996-977A-42B26A155BBE}" type="slidenum">
               <a:rPr lang="id-ID" smtClean="0"/>
               <a:t>4</a:t>
-            </a:fld>
-            <a:endParaRPr lang="id-ID"/>
-          </a:p>
-        </p:txBody>
-      </p:sp>
-    </p:spTree>
-    <p:extLst>
-      <p:ext uri="{BB962C8B-B14F-4D97-AF65-F5344CB8AC3E}">
-        <p14:creationId xmlns:p14="http://schemas.microsoft.com/office/powerpoint/2010/main" val="1407835346"/>
-      </p:ext>
-    </p:extLst>
-  </p:cSld>
-  <p:clrMapOvr>
-    <a:masterClrMapping/>
-  </p:clrMapOvr>
-</p:notes>
-</file>
-
-<file path=ppt/notesSlides/notesSlide5.xml><?xml version="1.0" encoding="utf-8"?>
-<p:notes xmlns:a="http://schemas.openxmlformats.org/drawingml/2006/main" xmlns:r="http://schemas.openxmlformats.org/officeDocument/2006/relationships" xmlns:p="http://schemas.openxmlformats.org/presentationml/2006/main">
-  <p:cSld>
-    <p:spTree>
-      <p:nvGrpSpPr>
-        <p:cNvPr id="1" name=""/>
-        <p:cNvGrpSpPr/>
-        <p:nvPr/>
-      </p:nvGrpSpPr>
-      <p:grpSpPr>
-        <a:xfrm>
-          <a:off x="0" y="0"/>
-          <a:ext cx="0" cy="0"/>
-          <a:chOff x="0" y="0"/>
-          <a:chExt cx="0" cy="0"/>
-        </a:xfrm>
-      </p:grpSpPr>
-      <p:sp>
-        <p:nvSpPr>
-          <p:cNvPr id="2" name="Slide Image Placeholder 1"/>
-          <p:cNvSpPr>
-            <a:spLocks noGrp="1" noRot="1" noChangeAspect="1"/>
-          </p:cNvSpPr>
-          <p:nvPr>
-            <p:ph type="sldImg"/>
-          </p:nvPr>
-        </p:nvSpPr>
-        <p:spPr/>
-      </p:sp>
-      <p:sp>
-        <p:nvSpPr>
-          <p:cNvPr id="3" name="Notes Placeholder 2"/>
-          <p:cNvSpPr>
-            <a:spLocks noGrp="1"/>
-          </p:cNvSpPr>
-          <p:nvPr>
-            <p:ph type="body" idx="1"/>
-          </p:nvPr>
-        </p:nvSpPr>
-        <p:spPr/>
-        <p:txBody>
-          <a:bodyPr/>
-          <a:lstStyle/>
-          <a:p>
-            <a:r>
-              <a:rPr lang="en-US" b="1" dirty="0" smtClean="0"/>
-              <a:t>Pete</a:t>
-            </a:r>
-          </a:p>
-          <a:p>
-            <a:r>
-              <a:rPr lang="en-US" dirty="0" smtClean="0"/>
-              <a:t>Here’s a basic use cases where Lambda functions serve as a back end for a web</a:t>
-            </a:r>
-            <a:r>
-              <a:rPr lang="en-US" baseline="0" dirty="0" smtClean="0"/>
-              <a:t> or a mobile application. Our client application talks to Lambda functions via the API Gateway. As far as a client is aware, it is talking to a </a:t>
-            </a:r>
-            <a:r>
-              <a:rPr lang="en-US" baseline="0" dirty="0" err="1" smtClean="0"/>
-              <a:t>RESTful</a:t>
-            </a:r>
-            <a:r>
-              <a:rPr lang="en-US" baseline="0" dirty="0" smtClean="0"/>
-              <a:t> interface using HTTP. It doesn’t know that there are Lambda functions behind this </a:t>
-            </a:r>
-            <a:r>
-              <a:rPr lang="en-US" baseline="0" dirty="0" err="1" smtClean="0"/>
-              <a:t>RESTful</a:t>
-            </a:r>
-            <a:r>
-              <a:rPr lang="en-US" baseline="0" dirty="0" smtClean="0"/>
-              <a:t> interface and it doesn’t really need to know. </a:t>
-            </a:r>
-          </a:p>
-          <a:p>
-            <a:endParaRPr lang="en-US" baseline="0" dirty="0" smtClean="0"/>
-          </a:p>
-          <a:p>
-            <a:r>
-              <a:rPr lang="en-US" baseline="0" dirty="0" smtClean="0"/>
-              <a:t>The Lambda runtime instantiates required Lambda functions for each request. Security is taken care of at the API Gateway or at each individual function. Our system can handle many simultaneous requests. </a:t>
-            </a:r>
-          </a:p>
-          <a:p>
-            <a:endParaRPr lang="en-US" baseline="0" dirty="0" smtClean="0"/>
-          </a:p>
-          <a:p>
-            <a:r>
-              <a:rPr lang="en-US" baseline="0" dirty="0" smtClean="0"/>
-              <a:t>Every Lambda function connected to the API Gateway receives a request, does the required processing and returns a response via the API Gateway. Every Lambda function can invoke another Lambda function or another service. And, it doesn’t have to be an AWS service. We use Firebase as our primary user-facing database and our Lambda functions regularly talk to it.</a:t>
-            </a:r>
-            <a:endParaRPr lang="en-US" dirty="0"/>
-          </a:p>
-        </p:txBody>
-      </p:sp>
-      <p:sp>
-        <p:nvSpPr>
-          <p:cNvPr id="4" name="Slide Number Placeholder 3"/>
-          <p:cNvSpPr>
-            <a:spLocks noGrp="1"/>
-          </p:cNvSpPr>
-          <p:nvPr>
-            <p:ph type="sldNum" sz="quarter" idx="10"/>
-          </p:nvPr>
-        </p:nvSpPr>
-        <p:spPr/>
-        <p:txBody>
-          <a:bodyPr/>
-          <a:lstStyle/>
-          <a:p>
-            <a:fld id="{55C38DD1-33AA-4996-977A-42B26A155BBE}" type="slidenum">
-              <a:rPr lang="id-ID" smtClean="0"/>
-              <a:t>5</a:t>
             </a:fld>
             <a:endParaRPr lang="id-ID"/>
           </a:p>
@@ -30855,7 +30420,7 @@
                 <a:ea typeface="Source Sans Pro Light" charset="0"/>
                 <a:cs typeface="Source Sans Pro Light" charset="0"/>
               </a:rPr>
-              <a:t>3</a:t>
+              <a:t>4</a:t>
             </a:r>
             <a:r>
               <a:rPr lang="en-US" sz="4400" dirty="0" smtClean="0">
@@ -31015,412 +30580,6 @@
 </file>
 
 <file path=ppt/slides/slide2.xml><?xml version="1.0" encoding="utf-8"?>
-<p:sld xmlns:a="http://schemas.openxmlformats.org/drawingml/2006/main" xmlns:r="http://schemas.openxmlformats.org/officeDocument/2006/relationships" xmlns:p="http://schemas.openxmlformats.org/presentationml/2006/main">
-  <p:cSld>
-    <p:bg>
-      <p:bgPr>
-        <a:solidFill>
-          <a:srgbClr val="222A35"/>
-        </a:solidFill>
-        <a:effectLst/>
-      </p:bgPr>
-    </p:bg>
-    <p:spTree>
-      <p:nvGrpSpPr>
-        <p:cNvPr id="1" name=""/>
-        <p:cNvGrpSpPr/>
-        <p:nvPr/>
-      </p:nvGrpSpPr>
-      <p:grpSpPr>
-        <a:xfrm>
-          <a:off x="0" y="0"/>
-          <a:ext cx="0" cy="0"/>
-          <a:chOff x="0" y="0"/>
-          <a:chExt cx="0" cy="0"/>
-        </a:xfrm>
-      </p:grpSpPr>
-      <p:grpSp>
-        <p:nvGrpSpPr>
-          <p:cNvPr id="18" name="Group 17"/>
-          <p:cNvGrpSpPr/>
-          <p:nvPr/>
-        </p:nvGrpSpPr>
-        <p:grpSpPr>
-          <a:xfrm>
-            <a:off x="2" y="6736617"/>
-            <a:ext cx="12191999" cy="134339"/>
-            <a:chOff x="2" y="2110197"/>
-            <a:chExt cx="12191999" cy="134339"/>
-          </a:xfrm>
-        </p:grpSpPr>
-        <p:sp>
-          <p:nvSpPr>
-            <p:cNvPr id="19" name="Rectangle 18"/>
-            <p:cNvSpPr/>
-            <p:nvPr/>
-          </p:nvSpPr>
-          <p:spPr>
-            <a:xfrm rot="16200000">
-              <a:off x="2980836" y="1161370"/>
-              <a:ext cx="134333" cy="2032000"/>
-            </a:xfrm>
-            <a:prstGeom prst="rect">
-              <a:avLst/>
-            </a:prstGeom>
-            <a:solidFill>
-              <a:schemeClr val="accent1">
-                <a:lumMod val="75000"/>
-              </a:schemeClr>
-            </a:solidFill>
-            <a:ln>
-              <a:noFill/>
-            </a:ln>
-          </p:spPr>
-          <p:style>
-            <a:lnRef idx="2">
-              <a:schemeClr val="accent1">
-                <a:shade val="50000"/>
-              </a:schemeClr>
-            </a:lnRef>
-            <a:fillRef idx="1">
-              <a:schemeClr val="accent1"/>
-            </a:fillRef>
-            <a:effectRef idx="0">
-              <a:schemeClr val="accent1"/>
-            </a:effectRef>
-            <a:fontRef idx="minor">
-              <a:schemeClr val="lt1"/>
-            </a:fontRef>
-          </p:style>
-          <p:txBody>
-            <a:bodyPr rtlCol="0" anchor="ctr"/>
-            <a:lstStyle/>
-            <a:p>
-              <a:pPr algn="ctr"/>
-              <a:endParaRPr lang="id-ID"/>
-            </a:p>
-          </p:txBody>
-        </p:sp>
-        <p:sp>
-          <p:nvSpPr>
-            <p:cNvPr id="20" name="Rectangle 19"/>
-            <p:cNvSpPr/>
-            <p:nvPr/>
-          </p:nvSpPr>
-          <p:spPr>
-            <a:xfrm rot="16200000">
-              <a:off x="5012835" y="1161369"/>
-              <a:ext cx="134333" cy="2032000"/>
-            </a:xfrm>
-            <a:prstGeom prst="rect">
-              <a:avLst/>
-            </a:prstGeom>
-            <a:solidFill>
-              <a:schemeClr val="accent2">
-                <a:lumMod val="75000"/>
-              </a:schemeClr>
-            </a:solidFill>
-            <a:ln>
-              <a:noFill/>
-            </a:ln>
-          </p:spPr>
-          <p:style>
-            <a:lnRef idx="2">
-              <a:schemeClr val="accent1">
-                <a:shade val="50000"/>
-              </a:schemeClr>
-            </a:lnRef>
-            <a:fillRef idx="1">
-              <a:schemeClr val="accent1"/>
-            </a:fillRef>
-            <a:effectRef idx="0">
-              <a:schemeClr val="accent1"/>
-            </a:effectRef>
-            <a:fontRef idx="minor">
-              <a:schemeClr val="lt1"/>
-            </a:fontRef>
-          </p:style>
-          <p:txBody>
-            <a:bodyPr rtlCol="0" anchor="ctr"/>
-            <a:lstStyle/>
-            <a:p>
-              <a:pPr algn="ctr"/>
-              <a:endParaRPr lang="id-ID"/>
-            </a:p>
-          </p:txBody>
-        </p:sp>
-        <p:sp>
-          <p:nvSpPr>
-            <p:cNvPr id="21" name="Rectangle 20"/>
-            <p:cNvSpPr/>
-            <p:nvPr/>
-          </p:nvSpPr>
-          <p:spPr>
-            <a:xfrm rot="16200000">
-              <a:off x="7044834" y="1161369"/>
-              <a:ext cx="134335" cy="2032000"/>
-            </a:xfrm>
-            <a:prstGeom prst="rect">
-              <a:avLst/>
-            </a:prstGeom>
-            <a:solidFill>
-              <a:schemeClr val="accent3">
-                <a:lumMod val="75000"/>
-              </a:schemeClr>
-            </a:solidFill>
-            <a:ln>
-              <a:noFill/>
-            </a:ln>
-          </p:spPr>
-          <p:style>
-            <a:lnRef idx="2">
-              <a:schemeClr val="accent1">
-                <a:shade val="50000"/>
-              </a:schemeClr>
-            </a:lnRef>
-            <a:fillRef idx="1">
-              <a:schemeClr val="accent1"/>
-            </a:fillRef>
-            <a:effectRef idx="0">
-              <a:schemeClr val="accent1"/>
-            </a:effectRef>
-            <a:fontRef idx="minor">
-              <a:schemeClr val="lt1"/>
-            </a:fontRef>
-          </p:style>
-          <p:txBody>
-            <a:bodyPr rtlCol="0" anchor="ctr"/>
-            <a:lstStyle/>
-            <a:p>
-              <a:pPr algn="ctr"/>
-              <a:endParaRPr lang="id-ID"/>
-            </a:p>
-          </p:txBody>
-        </p:sp>
-        <p:sp>
-          <p:nvSpPr>
-            <p:cNvPr id="22" name="Rectangle 21"/>
-            <p:cNvSpPr/>
-            <p:nvPr/>
-          </p:nvSpPr>
-          <p:spPr>
-            <a:xfrm rot="16200000">
-              <a:off x="9076834" y="1161367"/>
-              <a:ext cx="134336" cy="2032000"/>
-            </a:xfrm>
-            <a:prstGeom prst="rect">
-              <a:avLst/>
-            </a:prstGeom>
-            <a:solidFill>
-              <a:schemeClr val="accent4">
-                <a:lumMod val="75000"/>
-              </a:schemeClr>
-            </a:solidFill>
-            <a:ln>
-              <a:noFill/>
-            </a:ln>
-          </p:spPr>
-          <p:style>
-            <a:lnRef idx="2">
-              <a:schemeClr val="accent1">
-                <a:shade val="50000"/>
-              </a:schemeClr>
-            </a:lnRef>
-            <a:fillRef idx="1">
-              <a:schemeClr val="accent1"/>
-            </a:fillRef>
-            <a:effectRef idx="0">
-              <a:schemeClr val="accent1"/>
-            </a:effectRef>
-            <a:fontRef idx="minor">
-              <a:schemeClr val="lt1"/>
-            </a:fontRef>
-          </p:style>
-          <p:txBody>
-            <a:bodyPr rtlCol="0" anchor="ctr"/>
-            <a:lstStyle/>
-            <a:p>
-              <a:pPr algn="ctr"/>
-              <a:endParaRPr lang="id-ID"/>
-            </a:p>
-          </p:txBody>
-        </p:sp>
-        <p:sp>
-          <p:nvSpPr>
-            <p:cNvPr id="23" name="Rectangle 22"/>
-            <p:cNvSpPr/>
-            <p:nvPr/>
-          </p:nvSpPr>
-          <p:spPr>
-            <a:xfrm rot="16200000">
-              <a:off x="11108832" y="1161366"/>
-              <a:ext cx="134338" cy="2032000"/>
-            </a:xfrm>
-            <a:prstGeom prst="rect">
-              <a:avLst/>
-            </a:prstGeom>
-            <a:solidFill>
-              <a:schemeClr val="accent5">
-                <a:lumMod val="75000"/>
-              </a:schemeClr>
-            </a:solidFill>
-            <a:ln>
-              <a:noFill/>
-            </a:ln>
-          </p:spPr>
-          <p:style>
-            <a:lnRef idx="2">
-              <a:schemeClr val="accent1">
-                <a:shade val="50000"/>
-              </a:schemeClr>
-            </a:lnRef>
-            <a:fillRef idx="1">
-              <a:schemeClr val="accent1"/>
-            </a:fillRef>
-            <a:effectRef idx="0">
-              <a:schemeClr val="accent1"/>
-            </a:effectRef>
-            <a:fontRef idx="minor">
-              <a:schemeClr val="lt1"/>
-            </a:fontRef>
-          </p:style>
-          <p:txBody>
-            <a:bodyPr rtlCol="0" anchor="ctr"/>
-            <a:lstStyle/>
-            <a:p>
-              <a:pPr algn="ctr"/>
-              <a:endParaRPr lang="id-ID"/>
-            </a:p>
-          </p:txBody>
-        </p:sp>
-        <p:sp>
-          <p:nvSpPr>
-            <p:cNvPr id="24" name="Rectangle 23"/>
-            <p:cNvSpPr/>
-            <p:nvPr/>
-          </p:nvSpPr>
-          <p:spPr>
-            <a:xfrm rot="16200000">
-              <a:off x="948836" y="1161370"/>
-              <a:ext cx="134331" cy="2032000"/>
-            </a:xfrm>
-            <a:prstGeom prst="rect">
-              <a:avLst/>
-            </a:prstGeom>
-            <a:solidFill>
-              <a:schemeClr val="accent6">
-                <a:lumMod val="75000"/>
-              </a:schemeClr>
-            </a:solidFill>
-            <a:ln>
-              <a:noFill/>
-            </a:ln>
-          </p:spPr>
-          <p:style>
-            <a:lnRef idx="2">
-              <a:schemeClr val="accent1">
-                <a:shade val="50000"/>
-              </a:schemeClr>
-            </a:lnRef>
-            <a:fillRef idx="1">
-              <a:schemeClr val="accent1"/>
-            </a:fillRef>
-            <a:effectRef idx="0">
-              <a:schemeClr val="accent1"/>
-            </a:effectRef>
-            <a:fontRef idx="minor">
-              <a:schemeClr val="lt1"/>
-            </a:fontRef>
-          </p:style>
-          <p:txBody>
-            <a:bodyPr rtlCol="0" anchor="ctr"/>
-            <a:lstStyle/>
-            <a:p>
-              <a:pPr algn="ctr"/>
-              <a:endParaRPr lang="id-ID"/>
-            </a:p>
-          </p:txBody>
-        </p:sp>
-      </p:grpSp>
-      <p:sp>
-        <p:nvSpPr>
-          <p:cNvPr id="40" name="TextBox 39"/>
-          <p:cNvSpPr txBox="1"/>
-          <p:nvPr/>
-        </p:nvSpPr>
-        <p:spPr>
-          <a:xfrm>
-            <a:off x="855357" y="2042068"/>
-            <a:ext cx="10422304" cy="2308324"/>
-          </a:xfrm>
-          <a:prstGeom prst="rect">
-            <a:avLst/>
-          </a:prstGeom>
-          <a:noFill/>
-        </p:spPr>
-        <p:txBody>
-          <a:bodyPr wrap="square" rtlCol="0">
-            <a:spAutoFit/>
-          </a:bodyPr>
-          <a:lstStyle/>
-          <a:p>
-            <a:pPr algn="ctr"/>
-            <a:r>
-              <a:rPr lang="id-ID" sz="4800" b="1" dirty="0" smtClean="0">
-                <a:solidFill>
-                  <a:schemeClr val="bg1"/>
-                </a:solidFill>
-              </a:rPr>
-              <a:t>1. Use a compute service to execute code on demand (aka don’t run </a:t>
-            </a:r>
-            <a:r>
-              <a:rPr lang="id-ID" sz="4800" b="1" dirty="0" err="1" smtClean="0">
-                <a:solidFill>
-                  <a:schemeClr val="bg1"/>
-                </a:solidFill>
-              </a:rPr>
-              <a:t>a</a:t>
-            </a:r>
-            <a:r>
-              <a:rPr lang="id-ID" sz="4800" b="1" dirty="0" smtClean="0">
-                <a:solidFill>
-                  <a:schemeClr val="bg1"/>
-                </a:solidFill>
-              </a:rPr>
-              <a:t> server).</a:t>
-            </a:r>
-            <a:endParaRPr lang="id-ID" sz="4800" b="1" dirty="0">
-              <a:solidFill>
-                <a:schemeClr val="bg1"/>
-              </a:solidFill>
-            </a:endParaRPr>
-          </a:p>
-        </p:txBody>
-      </p:sp>
-    </p:spTree>
-    <p:extLst>
-      <p:ext uri="{BB962C8B-B14F-4D97-AF65-F5344CB8AC3E}">
-        <p14:creationId xmlns:p14="http://schemas.microsoft.com/office/powerpoint/2010/main" val="364160780"/>
-      </p:ext>
-    </p:extLst>
-  </p:cSld>
-  <p:clrMapOvr>
-    <a:masterClrMapping/>
-  </p:clrMapOvr>
-  <p:transition>
-    <p:push dir="u"/>
-  </p:transition>
-  <p:timing>
-    <p:tnLst>
-      <p:par>
-        <p:cTn id="1" dur="indefinite" restart="never" nodeType="tmRoot"/>
-      </p:par>
-    </p:tnLst>
-  </p:timing>
-</p:sld>
-</file>
-
-<file path=ppt/slides/slide3.xml><?xml version="1.0" encoding="utf-8"?>
 <p:sld xmlns:a="http://schemas.openxmlformats.org/drawingml/2006/main" xmlns:r="http://schemas.openxmlformats.org/officeDocument/2006/relationships" xmlns:p="http://schemas.openxmlformats.org/presentationml/2006/main">
   <p:cSld>
     <p:bg>
@@ -33261,15 +32420,7 @@
                   <a:schemeClr val="bg1"/>
                 </a:solidFill>
               </a:rPr>
-              <a:t> </a:t>
-            </a:r>
-            <a:r>
-              <a:rPr lang="id-ID" sz="4800" b="1" dirty="0" smtClean="0">
-                <a:solidFill>
-                  <a:schemeClr val="bg1"/>
-                </a:solidFill>
-              </a:rPr>
-              <a:t>S3</a:t>
+              <a:t> S3</a:t>
             </a:r>
             <a:endParaRPr lang="id-ID" sz="4800" b="1" dirty="0">
               <a:solidFill>
@@ -33413,7 +32564,7 @@
 </p:sld>
 </file>
 
-<file path=ppt/slides/slide4.xml><?xml version="1.0" encoding="utf-8"?>
+<file path=ppt/slides/slide3.xml><?xml version="1.0" encoding="utf-8"?>
 <p:sld xmlns:a="http://schemas.openxmlformats.org/drawingml/2006/main" xmlns:r="http://schemas.openxmlformats.org/officeDocument/2006/relationships" xmlns:p="http://schemas.openxmlformats.org/presentationml/2006/main">
   <p:cSld>
     <p:bg>
@@ -34999,15 +34150,7 @@
                   <a:schemeClr val="bg1"/>
                 </a:solidFill>
               </a:rPr>
-              <a:t> </a:t>
-            </a:r>
-            <a:r>
-              <a:rPr lang="id-ID" sz="4800" b="1" dirty="0" smtClean="0">
-                <a:solidFill>
-                  <a:schemeClr val="bg1"/>
-                </a:solidFill>
-              </a:rPr>
-              <a:t>S3</a:t>
+              <a:t> S3</a:t>
             </a:r>
             <a:endParaRPr lang="id-ID" sz="4800" b="1" dirty="0">
               <a:solidFill>
@@ -35239,7 +34382,7 @@
 </p:sld>
 </file>
 
-<file path=ppt/slides/slide5.xml><?xml version="1.0" encoding="utf-8"?>
+<file path=ppt/slides/slide4.xml><?xml version="1.0" encoding="utf-8"?>
 <p:sld xmlns:a="http://schemas.openxmlformats.org/drawingml/2006/main" xmlns:r="http://schemas.openxmlformats.org/officeDocument/2006/relationships" xmlns:p="http://schemas.openxmlformats.org/presentationml/2006/main">
   <p:cSld>
     <p:bg>
@@ -37080,15 +36223,7 @@
                   <a:schemeClr val="bg1"/>
                 </a:solidFill>
               </a:rPr>
-              <a:t> </a:t>
-            </a:r>
-            <a:r>
-              <a:rPr lang="id-ID" sz="4800" b="1" dirty="0" smtClean="0">
-                <a:solidFill>
-                  <a:schemeClr val="bg1"/>
-                </a:solidFill>
-              </a:rPr>
-              <a:t>S3</a:t>
+              <a:t> S3</a:t>
             </a:r>
             <a:endParaRPr lang="id-ID" sz="4800" b="1" dirty="0">
               <a:solidFill>

--- a/lesson-4/Slides.pptx
+++ b/lesson-4/Slides.pptx
@@ -5,16 +5,18 @@
     <p:sldMasterId id="2147483648" r:id="rId1"/>
   </p:sldMasterIdLst>
   <p:notesMasterIdLst>
-    <p:notesMasterId r:id="rId6"/>
+    <p:notesMasterId r:id="rId8"/>
   </p:notesMasterIdLst>
   <p:handoutMasterIdLst>
-    <p:handoutMasterId r:id="rId7"/>
+    <p:handoutMasterId r:id="rId9"/>
   </p:handoutMasterIdLst>
   <p:sldIdLst>
     <p:sldId id="524" r:id="rId2"/>
-    <p:sldId id="575" r:id="rId3"/>
-    <p:sldId id="574" r:id="rId4"/>
-    <p:sldId id="573" r:id="rId5"/>
+    <p:sldId id="578" r:id="rId3"/>
+    <p:sldId id="575" r:id="rId4"/>
+    <p:sldId id="574" r:id="rId5"/>
+    <p:sldId id="573" r:id="rId6"/>
+    <p:sldId id="577" r:id="rId7"/>
   </p:sldIdLst>
   <p:sldSz cx="12192000" cy="6858000"/>
   <p:notesSz cx="6858000" cy="9144000"/>
@@ -119,23 +121,16 @@
         <p14:section name="Intro" id="{68159F7C-7154-1446-A846-3755D3722C1C}">
           <p14:sldIdLst>
             <p14:sldId id="524"/>
+            <p14:sldId id="578"/>
           </p14:sldIdLst>
         </p14:section>
-        <p14:section name="What is serverless" id="{F5A8A5FB-908B-D04D-BA6A-4C77BCDBF348}">
-          <p14:sldIdLst/>
-        </p14:section>
-        <p14:section name="What have we built" id="{4C41657C-394A-9141-A53F-3BD844431C9E}">
+        <p14:section name="What are we building" id="{4C41657C-394A-9141-A53F-3BD844431C9E}">
           <p14:sldIdLst>
             <p14:sldId id="575"/>
             <p14:sldId id="574"/>
             <p14:sldId id="573"/>
+            <p14:sldId id="577"/>
           </p14:sldIdLst>
-        </p14:section>
-        <p14:section name="What does this mean for you?" id="{B5DA9B6A-375D-FF40-9A40-9CDFDC17D789}">
-          <p14:sldIdLst/>
-        </p14:section>
-        <p14:section name="End" id="{437BA99A-6292-714B-B8D3-9DAA4F02101B}">
-          <p14:sldIdLst/>
         </p14:section>
       </p14:sectionLst>
     </p:ext>
@@ -811,54 +806,6 @@
           <a:bodyPr/>
           <a:lstStyle/>
           <a:p>
-            <a:r>
-              <a:rPr lang="en-US" b="1" dirty="0" smtClean="0"/>
-              <a:t>Pete</a:t>
-            </a:r>
-          </a:p>
-          <a:p>
-            <a:r>
-              <a:rPr lang="en-US" dirty="0" smtClean="0"/>
-              <a:t>Here’s a basic use cases where Lambda functions serve as a back end for a web</a:t>
-            </a:r>
-            <a:r>
-              <a:rPr lang="en-US" baseline="0" dirty="0" smtClean="0"/>
-              <a:t> or a mobile application. Our client application talks to Lambda functions via the API Gateway. As far as a client is aware, it is talking to a </a:t>
-            </a:r>
-            <a:r>
-              <a:rPr lang="en-US" baseline="0" dirty="0" err="1" smtClean="0"/>
-              <a:t>RESTful</a:t>
-            </a:r>
-            <a:r>
-              <a:rPr lang="en-US" baseline="0" dirty="0" smtClean="0"/>
-              <a:t> interface using HTTP. It doesn’t know that there are Lambda functions behind this </a:t>
-            </a:r>
-            <a:r>
-              <a:rPr lang="en-US" baseline="0" dirty="0" err="1" smtClean="0"/>
-              <a:t>RESTful</a:t>
-            </a:r>
-            <a:r>
-              <a:rPr lang="en-US" baseline="0" dirty="0" smtClean="0"/>
-              <a:t> interface and it doesn’t really need to know. </a:t>
-            </a:r>
-          </a:p>
-          <a:p>
-            <a:endParaRPr lang="en-US" baseline="0" dirty="0" smtClean="0"/>
-          </a:p>
-          <a:p>
-            <a:r>
-              <a:rPr lang="en-US" baseline="0" dirty="0" smtClean="0"/>
-              <a:t>The Lambda runtime instantiates required Lambda functions for each request. Security is taken care of at the API Gateway or at each individual function. Our system can handle many simultaneous requests. </a:t>
-            </a:r>
-          </a:p>
-          <a:p>
-            <a:endParaRPr lang="en-US" baseline="0" dirty="0" smtClean="0"/>
-          </a:p>
-          <a:p>
-            <a:r>
-              <a:rPr lang="en-US" baseline="0" dirty="0" smtClean="0"/>
-              <a:t>Every Lambda function connected to the API Gateway receives a request, does the required processing and returns a response via the API Gateway. Every Lambda function can invoke another Lambda function or another service. And, it doesn’t have to be an AWS service. We use Firebase as our primary user-facing database and our Lambda functions regularly talk to it.</a:t>
-            </a:r>
             <a:endParaRPr lang="en-US" dirty="0"/>
           </a:p>
         </p:txBody>
@@ -889,7 +836,7 @@
     </p:spTree>
     <p:extLst>
       <p:ext uri="{BB962C8B-B14F-4D97-AF65-F5344CB8AC3E}">
-        <p14:creationId xmlns:p14="http://schemas.microsoft.com/office/powerpoint/2010/main" val="1198536137"/>
+        <p14:creationId xmlns:p14="http://schemas.microsoft.com/office/powerpoint/2010/main" val="1643378753"/>
       </p:ext>
     </p:extLst>
   </p:cSld>
@@ -1021,7 +968,7 @@
     </p:spTree>
     <p:extLst>
       <p:ext uri="{BB962C8B-B14F-4D97-AF65-F5344CB8AC3E}">
-        <p14:creationId xmlns:p14="http://schemas.microsoft.com/office/powerpoint/2010/main" val="1407835346"/>
+        <p14:creationId xmlns:p14="http://schemas.microsoft.com/office/powerpoint/2010/main" val="1198536137"/>
       </p:ext>
     </p:extLst>
   </p:cSld>
@@ -1153,7 +1100,223 @@
     </p:spTree>
     <p:extLst>
       <p:ext uri="{BB962C8B-B14F-4D97-AF65-F5344CB8AC3E}">
+        <p14:creationId xmlns:p14="http://schemas.microsoft.com/office/powerpoint/2010/main" val="1407835346"/>
+      </p:ext>
+    </p:extLst>
+  </p:cSld>
+  <p:clrMapOvr>
+    <a:masterClrMapping/>
+  </p:clrMapOvr>
+</p:notes>
+</file>
+
+<file path=ppt/notesSlides/notesSlide5.xml><?xml version="1.0" encoding="utf-8"?>
+<p:notes xmlns:a="http://schemas.openxmlformats.org/drawingml/2006/main" xmlns:r="http://schemas.openxmlformats.org/officeDocument/2006/relationships" xmlns:p="http://schemas.openxmlformats.org/presentationml/2006/main">
+  <p:cSld>
+    <p:spTree>
+      <p:nvGrpSpPr>
+        <p:cNvPr id="1" name=""/>
+        <p:cNvGrpSpPr/>
+        <p:nvPr/>
+      </p:nvGrpSpPr>
+      <p:grpSpPr>
+        <a:xfrm>
+          <a:off x="0" y="0"/>
+          <a:ext cx="0" cy="0"/>
+          <a:chOff x="0" y="0"/>
+          <a:chExt cx="0" cy="0"/>
+        </a:xfrm>
+      </p:grpSpPr>
+      <p:sp>
+        <p:nvSpPr>
+          <p:cNvPr id="2" name="Slide Image Placeholder 1"/>
+          <p:cNvSpPr>
+            <a:spLocks noGrp="1" noRot="1" noChangeAspect="1"/>
+          </p:cNvSpPr>
+          <p:nvPr>
+            <p:ph type="sldImg"/>
+          </p:nvPr>
+        </p:nvSpPr>
+        <p:spPr/>
+      </p:sp>
+      <p:sp>
+        <p:nvSpPr>
+          <p:cNvPr id="3" name="Notes Placeholder 2"/>
+          <p:cNvSpPr>
+            <a:spLocks noGrp="1"/>
+          </p:cNvSpPr>
+          <p:nvPr>
+            <p:ph type="body" idx="1"/>
+          </p:nvPr>
+        </p:nvSpPr>
+        <p:spPr/>
+        <p:txBody>
+          <a:bodyPr/>
+          <a:lstStyle/>
+          <a:p>
+            <a:r>
+              <a:rPr lang="en-US" b="1" dirty="0" smtClean="0"/>
+              <a:t>Pete</a:t>
+            </a:r>
+          </a:p>
+          <a:p>
+            <a:r>
+              <a:rPr lang="en-US" dirty="0" smtClean="0"/>
+              <a:t>Here’s a basic use cases where Lambda functions serve as a back end for a web</a:t>
+            </a:r>
+            <a:r>
+              <a:rPr lang="en-US" baseline="0" dirty="0" smtClean="0"/>
+              <a:t> or a mobile application. Our client application talks to Lambda functions via the API Gateway. As far as a client is aware, it is talking to a </a:t>
+            </a:r>
+            <a:r>
+              <a:rPr lang="en-US" baseline="0" dirty="0" err="1" smtClean="0"/>
+              <a:t>RESTful</a:t>
+            </a:r>
+            <a:r>
+              <a:rPr lang="en-US" baseline="0" dirty="0" smtClean="0"/>
+              <a:t> interface using HTTP. It doesn’t know that there are Lambda functions behind this </a:t>
+            </a:r>
+            <a:r>
+              <a:rPr lang="en-US" baseline="0" dirty="0" err="1" smtClean="0"/>
+              <a:t>RESTful</a:t>
+            </a:r>
+            <a:r>
+              <a:rPr lang="en-US" baseline="0" dirty="0" smtClean="0"/>
+              <a:t> interface and it doesn’t really need to know. </a:t>
+            </a:r>
+          </a:p>
+          <a:p>
+            <a:endParaRPr lang="en-US" baseline="0" dirty="0" smtClean="0"/>
+          </a:p>
+          <a:p>
+            <a:r>
+              <a:rPr lang="en-US" baseline="0" dirty="0" smtClean="0"/>
+              <a:t>The Lambda runtime instantiates required Lambda functions for each request. Security is taken care of at the API Gateway or at each individual function. Our system can handle many simultaneous requests. </a:t>
+            </a:r>
+          </a:p>
+          <a:p>
+            <a:endParaRPr lang="en-US" baseline="0" dirty="0" smtClean="0"/>
+          </a:p>
+          <a:p>
+            <a:r>
+              <a:rPr lang="en-US" baseline="0" dirty="0" smtClean="0"/>
+              <a:t>Every Lambda function connected to the API Gateway receives a request, does the required processing and returns a response via the API Gateway. Every Lambda function can invoke another Lambda function or another service. And, it doesn’t have to be an AWS service. We use Firebase as our primary user-facing database and our Lambda functions regularly talk to it.</a:t>
+            </a:r>
+            <a:endParaRPr lang="en-US" dirty="0"/>
+          </a:p>
+        </p:txBody>
+      </p:sp>
+      <p:sp>
+        <p:nvSpPr>
+          <p:cNvPr id="4" name="Slide Number Placeholder 3"/>
+          <p:cNvSpPr>
+            <a:spLocks noGrp="1"/>
+          </p:cNvSpPr>
+          <p:nvPr>
+            <p:ph type="sldNum" sz="quarter" idx="10"/>
+          </p:nvPr>
+        </p:nvSpPr>
+        <p:spPr/>
+        <p:txBody>
+          <a:bodyPr/>
+          <a:lstStyle/>
+          <a:p>
+            <a:fld id="{55C38DD1-33AA-4996-977A-42B26A155BBE}" type="slidenum">
+              <a:rPr lang="id-ID" smtClean="0"/>
+              <a:t>5</a:t>
+            </a:fld>
+            <a:endParaRPr lang="id-ID"/>
+          </a:p>
+        </p:txBody>
+      </p:sp>
+    </p:spTree>
+    <p:extLst>
+      <p:ext uri="{BB962C8B-B14F-4D97-AF65-F5344CB8AC3E}">
         <p14:creationId xmlns:p14="http://schemas.microsoft.com/office/powerpoint/2010/main" val="589831252"/>
+      </p:ext>
+    </p:extLst>
+  </p:cSld>
+  <p:clrMapOvr>
+    <a:masterClrMapping/>
+  </p:clrMapOvr>
+</p:notes>
+</file>
+
+<file path=ppt/notesSlides/notesSlide6.xml><?xml version="1.0" encoding="utf-8"?>
+<p:notes xmlns:a="http://schemas.openxmlformats.org/drawingml/2006/main" xmlns:r="http://schemas.openxmlformats.org/officeDocument/2006/relationships" xmlns:p="http://schemas.openxmlformats.org/presentationml/2006/main">
+  <p:cSld>
+    <p:spTree>
+      <p:nvGrpSpPr>
+        <p:cNvPr id="1" name=""/>
+        <p:cNvGrpSpPr/>
+        <p:nvPr/>
+      </p:nvGrpSpPr>
+      <p:grpSpPr>
+        <a:xfrm>
+          <a:off x="0" y="0"/>
+          <a:ext cx="0" cy="0"/>
+          <a:chOff x="0" y="0"/>
+          <a:chExt cx="0" cy="0"/>
+        </a:xfrm>
+      </p:grpSpPr>
+      <p:sp>
+        <p:nvSpPr>
+          <p:cNvPr id="2" name="Slide Image Placeholder 1"/>
+          <p:cNvSpPr>
+            <a:spLocks noGrp="1" noRot="1" noChangeAspect="1"/>
+          </p:cNvSpPr>
+          <p:nvPr>
+            <p:ph type="sldImg"/>
+          </p:nvPr>
+        </p:nvSpPr>
+        <p:spPr/>
+      </p:sp>
+      <p:sp>
+        <p:nvSpPr>
+          <p:cNvPr id="3" name="Notes Placeholder 2"/>
+          <p:cNvSpPr>
+            <a:spLocks noGrp="1"/>
+          </p:cNvSpPr>
+          <p:nvPr>
+            <p:ph type="body" idx="1"/>
+          </p:nvPr>
+        </p:nvSpPr>
+        <p:spPr/>
+        <p:txBody>
+          <a:bodyPr/>
+          <a:lstStyle/>
+          <a:p>
+            <a:endParaRPr lang="en-US" baseline="0" dirty="0" smtClean="0"/>
+          </a:p>
+        </p:txBody>
+      </p:sp>
+      <p:sp>
+        <p:nvSpPr>
+          <p:cNvPr id="4" name="Slide Number Placeholder 3"/>
+          <p:cNvSpPr>
+            <a:spLocks noGrp="1"/>
+          </p:cNvSpPr>
+          <p:nvPr>
+            <p:ph type="sldNum" sz="quarter" idx="10"/>
+          </p:nvPr>
+        </p:nvSpPr>
+        <p:spPr/>
+        <p:txBody>
+          <a:bodyPr/>
+          <a:lstStyle/>
+          <a:p>
+            <a:fld id="{55C38DD1-33AA-4996-977A-42B26A155BBE}" type="slidenum">
+              <a:rPr lang="id-ID" smtClean="0"/>
+              <a:t>6</a:t>
+            </a:fld>
+            <a:endParaRPr lang="id-ID"/>
+          </a:p>
+        </p:txBody>
+      </p:sp>
+    </p:spTree>
+    <p:extLst>
+      <p:ext uri="{BB962C8B-B14F-4D97-AF65-F5344CB8AC3E}">
+        <p14:creationId xmlns:p14="http://schemas.microsoft.com/office/powerpoint/2010/main" val="2139700285"/>
       </p:ext>
     </p:extLst>
   </p:cSld>
@@ -30585,6 +30748,2454 @@
     <p:bg>
       <p:bgPr>
         <a:solidFill>
+          <a:srgbClr val="222935"/>
+        </a:solidFill>
+        <a:effectLst/>
+      </p:bgPr>
+    </p:bg>
+    <p:spTree>
+      <p:nvGrpSpPr>
+        <p:cNvPr id="1" name=""/>
+        <p:cNvGrpSpPr/>
+        <p:nvPr/>
+      </p:nvGrpSpPr>
+      <p:grpSpPr>
+        <a:xfrm>
+          <a:off x="0" y="0"/>
+          <a:ext cx="0" cy="0"/>
+          <a:chOff x="0" y="0"/>
+          <a:chExt cx="0" cy="0"/>
+        </a:xfrm>
+      </p:grpSpPr>
+      <p:grpSp>
+        <p:nvGrpSpPr>
+          <p:cNvPr id="18" name="Group 17"/>
+          <p:cNvGrpSpPr/>
+          <p:nvPr/>
+        </p:nvGrpSpPr>
+        <p:grpSpPr>
+          <a:xfrm>
+            <a:off x="2" y="6736617"/>
+            <a:ext cx="12191999" cy="134339"/>
+            <a:chOff x="2" y="2110197"/>
+            <a:chExt cx="12191999" cy="134339"/>
+          </a:xfrm>
+        </p:grpSpPr>
+        <p:sp>
+          <p:nvSpPr>
+            <p:cNvPr id="19" name="Rectangle 18"/>
+            <p:cNvSpPr/>
+            <p:nvPr/>
+          </p:nvSpPr>
+          <p:spPr>
+            <a:xfrm rot="16200000">
+              <a:off x="2980836" y="1161370"/>
+              <a:ext cx="134333" cy="2032000"/>
+            </a:xfrm>
+            <a:prstGeom prst="rect">
+              <a:avLst/>
+            </a:prstGeom>
+            <a:solidFill>
+              <a:schemeClr val="accent1">
+                <a:lumMod val="75000"/>
+              </a:schemeClr>
+            </a:solidFill>
+            <a:ln>
+              <a:noFill/>
+            </a:ln>
+          </p:spPr>
+          <p:style>
+            <a:lnRef idx="2">
+              <a:schemeClr val="accent1">
+                <a:shade val="50000"/>
+              </a:schemeClr>
+            </a:lnRef>
+            <a:fillRef idx="1">
+              <a:schemeClr val="accent1"/>
+            </a:fillRef>
+            <a:effectRef idx="0">
+              <a:schemeClr val="accent1"/>
+            </a:effectRef>
+            <a:fontRef idx="minor">
+              <a:schemeClr val="lt1"/>
+            </a:fontRef>
+          </p:style>
+          <p:txBody>
+            <a:bodyPr rtlCol="0" anchor="ctr"/>
+            <a:lstStyle/>
+            <a:p>
+              <a:pPr algn="ctr"/>
+              <a:endParaRPr lang="id-ID"/>
+            </a:p>
+          </p:txBody>
+        </p:sp>
+        <p:sp>
+          <p:nvSpPr>
+            <p:cNvPr id="20" name="Rectangle 19"/>
+            <p:cNvSpPr/>
+            <p:nvPr/>
+          </p:nvSpPr>
+          <p:spPr>
+            <a:xfrm rot="16200000">
+              <a:off x="5012835" y="1161369"/>
+              <a:ext cx="134333" cy="2032000"/>
+            </a:xfrm>
+            <a:prstGeom prst="rect">
+              <a:avLst/>
+            </a:prstGeom>
+            <a:solidFill>
+              <a:schemeClr val="accent2">
+                <a:lumMod val="75000"/>
+              </a:schemeClr>
+            </a:solidFill>
+            <a:ln>
+              <a:noFill/>
+            </a:ln>
+          </p:spPr>
+          <p:style>
+            <a:lnRef idx="2">
+              <a:schemeClr val="accent1">
+                <a:shade val="50000"/>
+              </a:schemeClr>
+            </a:lnRef>
+            <a:fillRef idx="1">
+              <a:schemeClr val="accent1"/>
+            </a:fillRef>
+            <a:effectRef idx="0">
+              <a:schemeClr val="accent1"/>
+            </a:effectRef>
+            <a:fontRef idx="minor">
+              <a:schemeClr val="lt1"/>
+            </a:fontRef>
+          </p:style>
+          <p:txBody>
+            <a:bodyPr rtlCol="0" anchor="ctr"/>
+            <a:lstStyle/>
+            <a:p>
+              <a:pPr algn="ctr"/>
+              <a:endParaRPr lang="id-ID"/>
+            </a:p>
+          </p:txBody>
+        </p:sp>
+        <p:sp>
+          <p:nvSpPr>
+            <p:cNvPr id="21" name="Rectangle 20"/>
+            <p:cNvSpPr/>
+            <p:nvPr/>
+          </p:nvSpPr>
+          <p:spPr>
+            <a:xfrm rot="16200000">
+              <a:off x="7044834" y="1161369"/>
+              <a:ext cx="134335" cy="2032000"/>
+            </a:xfrm>
+            <a:prstGeom prst="rect">
+              <a:avLst/>
+            </a:prstGeom>
+            <a:solidFill>
+              <a:schemeClr val="accent3">
+                <a:lumMod val="75000"/>
+              </a:schemeClr>
+            </a:solidFill>
+            <a:ln>
+              <a:noFill/>
+            </a:ln>
+          </p:spPr>
+          <p:style>
+            <a:lnRef idx="2">
+              <a:schemeClr val="accent1">
+                <a:shade val="50000"/>
+              </a:schemeClr>
+            </a:lnRef>
+            <a:fillRef idx="1">
+              <a:schemeClr val="accent1"/>
+            </a:fillRef>
+            <a:effectRef idx="0">
+              <a:schemeClr val="accent1"/>
+            </a:effectRef>
+            <a:fontRef idx="minor">
+              <a:schemeClr val="lt1"/>
+            </a:fontRef>
+          </p:style>
+          <p:txBody>
+            <a:bodyPr rtlCol="0" anchor="ctr"/>
+            <a:lstStyle/>
+            <a:p>
+              <a:pPr algn="ctr"/>
+              <a:endParaRPr lang="id-ID"/>
+            </a:p>
+          </p:txBody>
+        </p:sp>
+        <p:sp>
+          <p:nvSpPr>
+            <p:cNvPr id="22" name="Rectangle 21"/>
+            <p:cNvSpPr/>
+            <p:nvPr/>
+          </p:nvSpPr>
+          <p:spPr>
+            <a:xfrm rot="16200000">
+              <a:off x="9076834" y="1161367"/>
+              <a:ext cx="134336" cy="2032000"/>
+            </a:xfrm>
+            <a:prstGeom prst="rect">
+              <a:avLst/>
+            </a:prstGeom>
+            <a:solidFill>
+              <a:schemeClr val="accent4">
+                <a:lumMod val="75000"/>
+              </a:schemeClr>
+            </a:solidFill>
+            <a:ln>
+              <a:noFill/>
+            </a:ln>
+          </p:spPr>
+          <p:style>
+            <a:lnRef idx="2">
+              <a:schemeClr val="accent1">
+                <a:shade val="50000"/>
+              </a:schemeClr>
+            </a:lnRef>
+            <a:fillRef idx="1">
+              <a:schemeClr val="accent1"/>
+            </a:fillRef>
+            <a:effectRef idx="0">
+              <a:schemeClr val="accent1"/>
+            </a:effectRef>
+            <a:fontRef idx="minor">
+              <a:schemeClr val="lt1"/>
+            </a:fontRef>
+          </p:style>
+          <p:txBody>
+            <a:bodyPr rtlCol="0" anchor="ctr"/>
+            <a:lstStyle/>
+            <a:p>
+              <a:pPr algn="ctr"/>
+              <a:endParaRPr lang="id-ID"/>
+            </a:p>
+          </p:txBody>
+        </p:sp>
+        <p:sp>
+          <p:nvSpPr>
+            <p:cNvPr id="23" name="Rectangle 22"/>
+            <p:cNvSpPr/>
+            <p:nvPr/>
+          </p:nvSpPr>
+          <p:spPr>
+            <a:xfrm rot="16200000">
+              <a:off x="11108832" y="1161366"/>
+              <a:ext cx="134338" cy="2032000"/>
+            </a:xfrm>
+            <a:prstGeom prst="rect">
+              <a:avLst/>
+            </a:prstGeom>
+            <a:solidFill>
+              <a:schemeClr val="accent5">
+                <a:lumMod val="75000"/>
+              </a:schemeClr>
+            </a:solidFill>
+            <a:ln>
+              <a:noFill/>
+            </a:ln>
+          </p:spPr>
+          <p:style>
+            <a:lnRef idx="2">
+              <a:schemeClr val="accent1">
+                <a:shade val="50000"/>
+              </a:schemeClr>
+            </a:lnRef>
+            <a:fillRef idx="1">
+              <a:schemeClr val="accent1"/>
+            </a:fillRef>
+            <a:effectRef idx="0">
+              <a:schemeClr val="accent1"/>
+            </a:effectRef>
+            <a:fontRef idx="minor">
+              <a:schemeClr val="lt1"/>
+            </a:fontRef>
+          </p:style>
+          <p:txBody>
+            <a:bodyPr rtlCol="0" anchor="ctr"/>
+            <a:lstStyle/>
+            <a:p>
+              <a:pPr algn="ctr"/>
+              <a:endParaRPr lang="id-ID"/>
+            </a:p>
+          </p:txBody>
+        </p:sp>
+        <p:sp>
+          <p:nvSpPr>
+            <p:cNvPr id="24" name="Rectangle 23"/>
+            <p:cNvSpPr/>
+            <p:nvPr/>
+          </p:nvSpPr>
+          <p:spPr>
+            <a:xfrm rot="16200000">
+              <a:off x="948836" y="1161370"/>
+              <a:ext cx="134331" cy="2032000"/>
+            </a:xfrm>
+            <a:prstGeom prst="rect">
+              <a:avLst/>
+            </a:prstGeom>
+            <a:solidFill>
+              <a:schemeClr val="accent6">
+                <a:lumMod val="75000"/>
+              </a:schemeClr>
+            </a:solidFill>
+            <a:ln>
+              <a:noFill/>
+            </a:ln>
+          </p:spPr>
+          <p:style>
+            <a:lnRef idx="2">
+              <a:schemeClr val="accent1">
+                <a:shade val="50000"/>
+              </a:schemeClr>
+            </a:lnRef>
+            <a:fillRef idx="1">
+              <a:schemeClr val="accent1"/>
+            </a:fillRef>
+            <a:effectRef idx="0">
+              <a:schemeClr val="accent1"/>
+            </a:effectRef>
+            <a:fontRef idx="minor">
+              <a:schemeClr val="lt1"/>
+            </a:fontRef>
+          </p:style>
+          <p:txBody>
+            <a:bodyPr rtlCol="0" anchor="ctr"/>
+            <a:lstStyle/>
+            <a:p>
+              <a:pPr algn="ctr"/>
+              <a:endParaRPr lang="id-ID"/>
+            </a:p>
+          </p:txBody>
+        </p:sp>
+      </p:grpSp>
+      <p:grpSp>
+        <p:nvGrpSpPr>
+          <p:cNvPr id="82" name="Group 81"/>
+          <p:cNvGrpSpPr/>
+          <p:nvPr/>
+        </p:nvGrpSpPr>
+        <p:grpSpPr>
+          <a:xfrm>
+            <a:off x="5315293" y="2924389"/>
+            <a:ext cx="1384981" cy="1098964"/>
+            <a:chOff x="5499100" y="144463"/>
+            <a:chExt cx="3213100" cy="2614612"/>
+          </a:xfrm>
+          <a:effectLst>
+            <a:outerShdw blurRad="127000" dir="13500000" sy="23000" kx="1200000" algn="br" rotWithShape="0">
+              <a:prstClr val="black">
+                <a:alpha val="10000"/>
+              </a:prstClr>
+            </a:outerShdw>
+          </a:effectLst>
+        </p:grpSpPr>
+        <p:sp>
+          <p:nvSpPr>
+            <p:cNvPr id="83" name="Freeform 28"/>
+            <p:cNvSpPr>
+              <a:spLocks/>
+            </p:cNvSpPr>
+            <p:nvPr/>
+          </p:nvSpPr>
+          <p:spPr bwMode="auto">
+            <a:xfrm>
+              <a:off x="5499100" y="144463"/>
+              <a:ext cx="3213100" cy="1944687"/>
+            </a:xfrm>
+            <a:custGeom>
+              <a:avLst/>
+              <a:gdLst>
+                <a:gd name="T0" fmla="*/ 0 w 854"/>
+                <a:gd name="T1" fmla="*/ 516 h 516"/>
+                <a:gd name="T2" fmla="*/ 0 w 854"/>
+                <a:gd name="T3" fmla="*/ 19 h 516"/>
+                <a:gd name="T4" fmla="*/ 20 w 854"/>
+                <a:gd name="T5" fmla="*/ 0 h 516"/>
+                <a:gd name="T6" fmla="*/ 835 w 854"/>
+                <a:gd name="T7" fmla="*/ 0 h 516"/>
+                <a:gd name="T8" fmla="*/ 854 w 854"/>
+                <a:gd name="T9" fmla="*/ 19 h 516"/>
+                <a:gd name="T10" fmla="*/ 854 w 854"/>
+                <a:gd name="T11" fmla="*/ 516 h 516"/>
+                <a:gd name="T12" fmla="*/ 0 w 854"/>
+                <a:gd name="T13" fmla="*/ 516 h 516"/>
+              </a:gdLst>
+              <a:ahLst/>
+              <a:cxnLst>
+                <a:cxn ang="0">
+                  <a:pos x="T0" y="T1"/>
+                </a:cxn>
+                <a:cxn ang="0">
+                  <a:pos x="T2" y="T3"/>
+                </a:cxn>
+                <a:cxn ang="0">
+                  <a:pos x="T4" y="T5"/>
+                </a:cxn>
+                <a:cxn ang="0">
+                  <a:pos x="T6" y="T7"/>
+                </a:cxn>
+                <a:cxn ang="0">
+                  <a:pos x="T8" y="T9"/>
+                </a:cxn>
+                <a:cxn ang="0">
+                  <a:pos x="T10" y="T11"/>
+                </a:cxn>
+                <a:cxn ang="0">
+                  <a:pos x="T12" y="T13"/>
+                </a:cxn>
+              </a:cxnLst>
+              <a:rect l="0" t="0" r="r" b="b"/>
+              <a:pathLst>
+                <a:path w="854" h="516">
+                  <a:moveTo>
+                    <a:pt x="0" y="516"/>
+                  </a:moveTo>
+                  <a:cubicBezTo>
+                    <a:pt x="0" y="19"/>
+                    <a:pt x="0" y="19"/>
+                    <a:pt x="0" y="19"/>
+                  </a:cubicBezTo>
+                  <a:cubicBezTo>
+                    <a:pt x="0" y="8"/>
+                    <a:pt x="9" y="0"/>
+                    <a:pt x="20" y="0"/>
+                  </a:cubicBezTo>
+                  <a:cubicBezTo>
+                    <a:pt x="835" y="0"/>
+                    <a:pt x="835" y="0"/>
+                    <a:pt x="835" y="0"/>
+                  </a:cubicBezTo>
+                  <a:cubicBezTo>
+                    <a:pt x="845" y="0"/>
+                    <a:pt x="854" y="8"/>
+                    <a:pt x="854" y="19"/>
+                  </a:cubicBezTo>
+                  <a:cubicBezTo>
+                    <a:pt x="854" y="516"/>
+                    <a:pt x="854" y="516"/>
+                    <a:pt x="854" y="516"/>
+                  </a:cubicBezTo>
+                  <a:lnTo>
+                    <a:pt x="0" y="516"/>
+                  </a:lnTo>
+                  <a:close/>
+                </a:path>
+              </a:pathLst>
+            </a:custGeom>
+            <a:solidFill>
+              <a:schemeClr val="bg1">
+                <a:lumMod val="85000"/>
+              </a:schemeClr>
+            </a:solidFill>
+            <a:ln>
+              <a:noFill/>
+            </a:ln>
+            <a:extLst>
+              <a:ext uri="{91240B29-F687-4f45-9708-019B960494DF}">
+                <a14:hiddenLine xmlns="" xmlns:a14="http://schemas.microsoft.com/office/drawing/2010/main" w="9525">
+                  <a:solidFill>
+                    <a:srgbClr val="000000"/>
+                  </a:solidFill>
+                  <a:round/>
+                  <a:headEnd/>
+                  <a:tailEnd/>
+                </a14:hiddenLine>
+              </a:ext>
+            </a:extLst>
+          </p:spPr>
+          <p:txBody>
+            <a:bodyPr vert="horz" wrap="square" lIns="91440" tIns="45720" rIns="91440" bIns="45720" numCol="1" anchor="t" anchorCtr="0" compatLnSpc="1">
+              <a:prstTxWarp prst="textNoShape">
+                <a:avLst/>
+              </a:prstTxWarp>
+            </a:bodyPr>
+            <a:lstStyle/>
+            <a:p>
+              <a:endParaRPr lang="id-ID"/>
+            </a:p>
+          </p:txBody>
+        </p:sp>
+        <p:sp>
+          <p:nvSpPr>
+            <p:cNvPr id="84" name="Freeform 29"/>
+            <p:cNvSpPr>
+              <a:spLocks/>
+            </p:cNvSpPr>
+            <p:nvPr/>
+          </p:nvSpPr>
+          <p:spPr bwMode="auto">
+            <a:xfrm>
+              <a:off x="5499100" y="2089150"/>
+              <a:ext cx="3213100" cy="290512"/>
+            </a:xfrm>
+            <a:custGeom>
+              <a:avLst/>
+              <a:gdLst>
+                <a:gd name="T0" fmla="*/ 835 w 854"/>
+                <a:gd name="T1" fmla="*/ 77 h 77"/>
+                <a:gd name="T2" fmla="*/ 20 w 854"/>
+                <a:gd name="T3" fmla="*/ 77 h 77"/>
+                <a:gd name="T4" fmla="*/ 0 w 854"/>
+                <a:gd name="T5" fmla="*/ 58 h 77"/>
+                <a:gd name="T6" fmla="*/ 0 w 854"/>
+                <a:gd name="T7" fmla="*/ 0 h 77"/>
+                <a:gd name="T8" fmla="*/ 854 w 854"/>
+                <a:gd name="T9" fmla="*/ 0 h 77"/>
+                <a:gd name="T10" fmla="*/ 854 w 854"/>
+                <a:gd name="T11" fmla="*/ 58 h 77"/>
+                <a:gd name="T12" fmla="*/ 835 w 854"/>
+                <a:gd name="T13" fmla="*/ 77 h 77"/>
+              </a:gdLst>
+              <a:ahLst/>
+              <a:cxnLst>
+                <a:cxn ang="0">
+                  <a:pos x="T0" y="T1"/>
+                </a:cxn>
+                <a:cxn ang="0">
+                  <a:pos x="T2" y="T3"/>
+                </a:cxn>
+                <a:cxn ang="0">
+                  <a:pos x="T4" y="T5"/>
+                </a:cxn>
+                <a:cxn ang="0">
+                  <a:pos x="T6" y="T7"/>
+                </a:cxn>
+                <a:cxn ang="0">
+                  <a:pos x="T8" y="T9"/>
+                </a:cxn>
+                <a:cxn ang="0">
+                  <a:pos x="T10" y="T11"/>
+                </a:cxn>
+                <a:cxn ang="0">
+                  <a:pos x="T12" y="T13"/>
+                </a:cxn>
+              </a:cxnLst>
+              <a:rect l="0" t="0" r="r" b="b"/>
+              <a:pathLst>
+                <a:path w="854" h="77">
+                  <a:moveTo>
+                    <a:pt x="835" y="77"/>
+                  </a:moveTo>
+                  <a:cubicBezTo>
+                    <a:pt x="20" y="77"/>
+                    <a:pt x="20" y="77"/>
+                    <a:pt x="20" y="77"/>
+                  </a:cubicBezTo>
+                  <a:cubicBezTo>
+                    <a:pt x="9" y="77"/>
+                    <a:pt x="0" y="69"/>
+                    <a:pt x="0" y="58"/>
+                  </a:cubicBezTo>
+                  <a:cubicBezTo>
+                    <a:pt x="0" y="0"/>
+                    <a:pt x="0" y="0"/>
+                    <a:pt x="0" y="0"/>
+                  </a:cubicBezTo>
+                  <a:cubicBezTo>
+                    <a:pt x="854" y="0"/>
+                    <a:pt x="854" y="0"/>
+                    <a:pt x="854" y="0"/>
+                  </a:cubicBezTo>
+                  <a:cubicBezTo>
+                    <a:pt x="854" y="58"/>
+                    <a:pt x="854" y="58"/>
+                    <a:pt x="854" y="58"/>
+                  </a:cubicBezTo>
+                  <a:cubicBezTo>
+                    <a:pt x="854" y="69"/>
+                    <a:pt x="845" y="77"/>
+                    <a:pt x="835" y="77"/>
+                  </a:cubicBezTo>
+                </a:path>
+              </a:pathLst>
+            </a:custGeom>
+            <a:solidFill>
+              <a:schemeClr val="bg1">
+                <a:lumMod val="95000"/>
+              </a:schemeClr>
+            </a:solidFill>
+            <a:ln>
+              <a:noFill/>
+            </a:ln>
+          </p:spPr>
+          <p:txBody>
+            <a:bodyPr vert="horz" wrap="square" lIns="91440" tIns="45720" rIns="91440" bIns="45720" numCol="1" anchor="t" anchorCtr="0" compatLnSpc="1">
+              <a:prstTxWarp prst="textNoShape">
+                <a:avLst/>
+              </a:prstTxWarp>
+            </a:bodyPr>
+            <a:lstStyle/>
+            <a:p>
+              <a:endParaRPr lang="id-ID"/>
+            </a:p>
+          </p:txBody>
+        </p:sp>
+        <p:sp>
+          <p:nvSpPr>
+            <p:cNvPr id="85" name="Freeform 30"/>
+            <p:cNvSpPr>
+              <a:spLocks/>
+            </p:cNvSpPr>
+            <p:nvPr/>
+          </p:nvSpPr>
+          <p:spPr bwMode="auto">
+            <a:xfrm>
+              <a:off x="6594475" y="2371725"/>
+              <a:ext cx="1076325" cy="387350"/>
+            </a:xfrm>
+            <a:custGeom>
+              <a:avLst/>
+              <a:gdLst>
+                <a:gd name="T0" fmla="*/ 0 w 678"/>
+                <a:gd name="T1" fmla="*/ 244 h 244"/>
+                <a:gd name="T2" fmla="*/ 0 w 678"/>
+                <a:gd name="T3" fmla="*/ 218 h 244"/>
+                <a:gd name="T4" fmla="*/ 80 w 678"/>
+                <a:gd name="T5" fmla="*/ 209 h 244"/>
+                <a:gd name="T6" fmla="*/ 135 w 678"/>
+                <a:gd name="T7" fmla="*/ 0 h 244"/>
+                <a:gd name="T8" fmla="*/ 543 w 678"/>
+                <a:gd name="T9" fmla="*/ 0 h 244"/>
+                <a:gd name="T10" fmla="*/ 599 w 678"/>
+                <a:gd name="T11" fmla="*/ 209 h 244"/>
+                <a:gd name="T12" fmla="*/ 678 w 678"/>
+                <a:gd name="T13" fmla="*/ 218 h 244"/>
+                <a:gd name="T14" fmla="*/ 678 w 678"/>
+                <a:gd name="T15" fmla="*/ 244 h 244"/>
+                <a:gd name="T16" fmla="*/ 0 w 678"/>
+                <a:gd name="T17" fmla="*/ 244 h 244"/>
+              </a:gdLst>
+              <a:ahLst/>
+              <a:cxnLst>
+                <a:cxn ang="0">
+                  <a:pos x="T0" y="T1"/>
+                </a:cxn>
+                <a:cxn ang="0">
+                  <a:pos x="T2" y="T3"/>
+                </a:cxn>
+                <a:cxn ang="0">
+                  <a:pos x="T4" y="T5"/>
+                </a:cxn>
+                <a:cxn ang="0">
+                  <a:pos x="T6" y="T7"/>
+                </a:cxn>
+                <a:cxn ang="0">
+                  <a:pos x="T8" y="T9"/>
+                </a:cxn>
+                <a:cxn ang="0">
+                  <a:pos x="T10" y="T11"/>
+                </a:cxn>
+                <a:cxn ang="0">
+                  <a:pos x="T12" y="T13"/>
+                </a:cxn>
+                <a:cxn ang="0">
+                  <a:pos x="T14" y="T15"/>
+                </a:cxn>
+                <a:cxn ang="0">
+                  <a:pos x="T16" y="T17"/>
+                </a:cxn>
+              </a:cxnLst>
+              <a:rect l="0" t="0" r="r" b="b"/>
+              <a:pathLst>
+                <a:path w="678" h="244">
+                  <a:moveTo>
+                    <a:pt x="0" y="244"/>
+                  </a:moveTo>
+                  <a:lnTo>
+                    <a:pt x="0" y="218"/>
+                  </a:lnTo>
+                  <a:lnTo>
+                    <a:pt x="80" y="209"/>
+                  </a:lnTo>
+                  <a:lnTo>
+                    <a:pt x="135" y="0"/>
+                  </a:lnTo>
+                  <a:lnTo>
+                    <a:pt x="543" y="0"/>
+                  </a:lnTo>
+                  <a:lnTo>
+                    <a:pt x="599" y="209"/>
+                  </a:lnTo>
+                  <a:lnTo>
+                    <a:pt x="678" y="218"/>
+                  </a:lnTo>
+                  <a:lnTo>
+                    <a:pt x="678" y="244"/>
+                  </a:lnTo>
+                  <a:lnTo>
+                    <a:pt x="0" y="244"/>
+                  </a:lnTo>
+                  <a:close/>
+                </a:path>
+              </a:pathLst>
+            </a:custGeom>
+            <a:solidFill>
+              <a:schemeClr val="bg1">
+                <a:lumMod val="95000"/>
+              </a:schemeClr>
+            </a:solidFill>
+            <a:ln>
+              <a:noFill/>
+            </a:ln>
+          </p:spPr>
+          <p:txBody>
+            <a:bodyPr vert="horz" wrap="square" lIns="91440" tIns="45720" rIns="91440" bIns="45720" numCol="1" anchor="t" anchorCtr="0" compatLnSpc="1">
+              <a:prstTxWarp prst="textNoShape">
+                <a:avLst/>
+              </a:prstTxWarp>
+            </a:bodyPr>
+            <a:lstStyle/>
+            <a:p>
+              <a:endParaRPr lang="id-ID"/>
+            </a:p>
+          </p:txBody>
+        </p:sp>
+        <p:sp>
+          <p:nvSpPr>
+            <p:cNvPr id="86" name="Freeform 31"/>
+            <p:cNvSpPr>
+              <a:spLocks/>
+            </p:cNvSpPr>
+            <p:nvPr/>
+          </p:nvSpPr>
+          <p:spPr bwMode="auto">
+            <a:xfrm>
+              <a:off x="6594475" y="2371725"/>
+              <a:ext cx="1076325" cy="387350"/>
+            </a:xfrm>
+            <a:custGeom>
+              <a:avLst/>
+              <a:gdLst>
+                <a:gd name="T0" fmla="*/ 0 w 678"/>
+                <a:gd name="T1" fmla="*/ 244 h 244"/>
+                <a:gd name="T2" fmla="*/ 0 w 678"/>
+                <a:gd name="T3" fmla="*/ 218 h 244"/>
+                <a:gd name="T4" fmla="*/ 80 w 678"/>
+                <a:gd name="T5" fmla="*/ 209 h 244"/>
+                <a:gd name="T6" fmla="*/ 135 w 678"/>
+                <a:gd name="T7" fmla="*/ 0 h 244"/>
+                <a:gd name="T8" fmla="*/ 543 w 678"/>
+                <a:gd name="T9" fmla="*/ 0 h 244"/>
+                <a:gd name="T10" fmla="*/ 599 w 678"/>
+                <a:gd name="T11" fmla="*/ 209 h 244"/>
+                <a:gd name="T12" fmla="*/ 678 w 678"/>
+                <a:gd name="T13" fmla="*/ 218 h 244"/>
+                <a:gd name="T14" fmla="*/ 678 w 678"/>
+                <a:gd name="T15" fmla="*/ 244 h 244"/>
+                <a:gd name="T16" fmla="*/ 0 w 678"/>
+                <a:gd name="T17" fmla="*/ 244 h 244"/>
+              </a:gdLst>
+              <a:ahLst/>
+              <a:cxnLst>
+                <a:cxn ang="0">
+                  <a:pos x="T0" y="T1"/>
+                </a:cxn>
+                <a:cxn ang="0">
+                  <a:pos x="T2" y="T3"/>
+                </a:cxn>
+                <a:cxn ang="0">
+                  <a:pos x="T4" y="T5"/>
+                </a:cxn>
+                <a:cxn ang="0">
+                  <a:pos x="T6" y="T7"/>
+                </a:cxn>
+                <a:cxn ang="0">
+                  <a:pos x="T8" y="T9"/>
+                </a:cxn>
+                <a:cxn ang="0">
+                  <a:pos x="T10" y="T11"/>
+                </a:cxn>
+                <a:cxn ang="0">
+                  <a:pos x="T12" y="T13"/>
+                </a:cxn>
+                <a:cxn ang="0">
+                  <a:pos x="T14" y="T15"/>
+                </a:cxn>
+                <a:cxn ang="0">
+                  <a:pos x="T16" y="T17"/>
+                </a:cxn>
+              </a:cxnLst>
+              <a:rect l="0" t="0" r="r" b="b"/>
+              <a:pathLst>
+                <a:path w="678" h="244">
+                  <a:moveTo>
+                    <a:pt x="0" y="244"/>
+                  </a:moveTo>
+                  <a:lnTo>
+                    <a:pt x="0" y="218"/>
+                  </a:lnTo>
+                  <a:lnTo>
+                    <a:pt x="80" y="209"/>
+                  </a:lnTo>
+                  <a:lnTo>
+                    <a:pt x="135" y="0"/>
+                  </a:lnTo>
+                  <a:lnTo>
+                    <a:pt x="543" y="0"/>
+                  </a:lnTo>
+                  <a:lnTo>
+                    <a:pt x="599" y="209"/>
+                  </a:lnTo>
+                  <a:lnTo>
+                    <a:pt x="678" y="218"/>
+                  </a:lnTo>
+                  <a:lnTo>
+                    <a:pt x="678" y="244"/>
+                  </a:lnTo>
+                  <a:lnTo>
+                    <a:pt x="0" y="244"/>
+                  </a:lnTo>
+                </a:path>
+              </a:pathLst>
+            </a:custGeom>
+            <a:noFill/>
+            <a:ln>
+              <a:noFill/>
+            </a:ln>
+            <a:extLst>
+              <a:ext uri="{909E8E84-426E-40dd-AFC4-6F175D3DCCD1}">
+                <a14:hiddenFill xmlns="" xmlns:a14="http://schemas.microsoft.com/office/drawing/2010/main">
+                  <a:solidFill>
+                    <a:srgbClr val="FFFFFF"/>
+                  </a:solidFill>
+                </a14:hiddenFill>
+              </a:ext>
+              <a:ext uri="{91240B29-F687-4f45-9708-019B960494DF}">
+                <a14:hiddenLine xmlns="" xmlns:a14="http://schemas.microsoft.com/office/drawing/2010/main" w="9525">
+                  <a:solidFill>
+                    <a:srgbClr val="000000"/>
+                  </a:solidFill>
+                  <a:round/>
+                  <a:headEnd/>
+                  <a:tailEnd/>
+                </a14:hiddenLine>
+              </a:ext>
+            </a:extLst>
+          </p:spPr>
+          <p:txBody>
+            <a:bodyPr vert="horz" wrap="square" lIns="91440" tIns="45720" rIns="91440" bIns="45720" numCol="1" anchor="t" anchorCtr="0" compatLnSpc="1">
+              <a:prstTxWarp prst="textNoShape">
+                <a:avLst/>
+              </a:prstTxWarp>
+            </a:bodyPr>
+            <a:lstStyle/>
+            <a:p>
+              <a:endParaRPr lang="id-ID"/>
+            </a:p>
+          </p:txBody>
+        </p:sp>
+        <p:sp>
+          <p:nvSpPr>
+            <p:cNvPr id="87" name="Rectangle 32"/>
+            <p:cNvSpPr>
+              <a:spLocks noChangeArrowheads="1"/>
+            </p:cNvSpPr>
+            <p:nvPr/>
+          </p:nvSpPr>
+          <p:spPr bwMode="auto">
+            <a:xfrm>
+              <a:off x="5600700" y="268288"/>
+              <a:ext cx="3009900" cy="1695450"/>
+            </a:xfrm>
+            <a:prstGeom prst="rect">
+              <a:avLst/>
+            </a:prstGeom>
+            <a:solidFill>
+              <a:schemeClr val="accent6"/>
+            </a:solidFill>
+            <a:ln>
+              <a:noFill/>
+            </a:ln>
+            <a:extLst>
+              <a:ext uri="{91240B29-F687-4f45-9708-019B960494DF}">
+                <a14:hiddenLine xmlns="" xmlns:a14="http://schemas.microsoft.com/office/drawing/2010/main" w="9525">
+                  <a:solidFill>
+                    <a:srgbClr val="000000"/>
+                  </a:solidFill>
+                  <a:miter lim="800000"/>
+                  <a:headEnd/>
+                  <a:tailEnd/>
+                </a14:hiddenLine>
+              </a:ext>
+            </a:extLst>
+          </p:spPr>
+          <p:txBody>
+            <a:bodyPr vert="horz" wrap="square" lIns="91440" tIns="45720" rIns="91440" bIns="45720" numCol="1" anchor="t" anchorCtr="0" compatLnSpc="1">
+              <a:prstTxWarp prst="textNoShape">
+                <a:avLst/>
+              </a:prstTxWarp>
+            </a:bodyPr>
+            <a:lstStyle/>
+            <a:p>
+              <a:endParaRPr lang="id-ID"/>
+            </a:p>
+          </p:txBody>
+        </p:sp>
+        <p:sp>
+          <p:nvSpPr>
+            <p:cNvPr id="88" name="Freeform 33"/>
+            <p:cNvSpPr>
+              <a:spLocks/>
+            </p:cNvSpPr>
+            <p:nvPr/>
+          </p:nvSpPr>
+          <p:spPr bwMode="auto">
+            <a:xfrm>
+              <a:off x="6797675" y="2371725"/>
+              <a:ext cx="673100" cy="60325"/>
+            </a:xfrm>
+            <a:custGeom>
+              <a:avLst/>
+              <a:gdLst>
+                <a:gd name="T0" fmla="*/ 415 w 424"/>
+                <a:gd name="T1" fmla="*/ 0 h 38"/>
+                <a:gd name="T2" fmla="*/ 7 w 424"/>
+                <a:gd name="T3" fmla="*/ 0 h 38"/>
+                <a:gd name="T4" fmla="*/ 0 w 424"/>
+                <a:gd name="T5" fmla="*/ 38 h 38"/>
+                <a:gd name="T6" fmla="*/ 424 w 424"/>
+                <a:gd name="T7" fmla="*/ 38 h 38"/>
+                <a:gd name="T8" fmla="*/ 415 w 424"/>
+                <a:gd name="T9" fmla="*/ 0 h 38"/>
+              </a:gdLst>
+              <a:ahLst/>
+              <a:cxnLst>
+                <a:cxn ang="0">
+                  <a:pos x="T0" y="T1"/>
+                </a:cxn>
+                <a:cxn ang="0">
+                  <a:pos x="T2" y="T3"/>
+                </a:cxn>
+                <a:cxn ang="0">
+                  <a:pos x="T4" y="T5"/>
+                </a:cxn>
+                <a:cxn ang="0">
+                  <a:pos x="T6" y="T7"/>
+                </a:cxn>
+                <a:cxn ang="0">
+                  <a:pos x="T8" y="T9"/>
+                </a:cxn>
+              </a:cxnLst>
+              <a:rect l="0" t="0" r="r" b="b"/>
+              <a:pathLst>
+                <a:path w="424" h="38">
+                  <a:moveTo>
+                    <a:pt x="415" y="0"/>
+                  </a:moveTo>
+                  <a:lnTo>
+                    <a:pt x="7" y="0"/>
+                  </a:lnTo>
+                  <a:lnTo>
+                    <a:pt x="0" y="38"/>
+                  </a:lnTo>
+                  <a:lnTo>
+                    <a:pt x="424" y="38"/>
+                  </a:lnTo>
+                  <a:lnTo>
+                    <a:pt x="415" y="0"/>
+                  </a:lnTo>
+                  <a:close/>
+                </a:path>
+              </a:pathLst>
+            </a:custGeom>
+            <a:solidFill>
+              <a:schemeClr val="tx1">
+                <a:alpha val="5000"/>
+              </a:schemeClr>
+            </a:solidFill>
+            <a:ln>
+              <a:noFill/>
+            </a:ln>
+          </p:spPr>
+          <p:txBody>
+            <a:bodyPr vert="horz" wrap="square" lIns="91440" tIns="45720" rIns="91440" bIns="45720" numCol="1" anchor="t" anchorCtr="0" compatLnSpc="1">
+              <a:prstTxWarp prst="textNoShape">
+                <a:avLst/>
+              </a:prstTxWarp>
+            </a:bodyPr>
+            <a:lstStyle/>
+            <a:p>
+              <a:endParaRPr lang="id-ID"/>
+            </a:p>
+          </p:txBody>
+        </p:sp>
+        <p:sp>
+          <p:nvSpPr>
+            <p:cNvPr id="89" name="Freeform 34"/>
+            <p:cNvSpPr>
+              <a:spLocks/>
+            </p:cNvSpPr>
+            <p:nvPr/>
+          </p:nvSpPr>
+          <p:spPr bwMode="auto">
+            <a:xfrm>
+              <a:off x="6797675" y="2371725"/>
+              <a:ext cx="673100" cy="60325"/>
+            </a:xfrm>
+            <a:custGeom>
+              <a:avLst/>
+              <a:gdLst>
+                <a:gd name="T0" fmla="*/ 415 w 424"/>
+                <a:gd name="T1" fmla="*/ 0 h 38"/>
+                <a:gd name="T2" fmla="*/ 7 w 424"/>
+                <a:gd name="T3" fmla="*/ 0 h 38"/>
+                <a:gd name="T4" fmla="*/ 0 w 424"/>
+                <a:gd name="T5" fmla="*/ 38 h 38"/>
+                <a:gd name="T6" fmla="*/ 424 w 424"/>
+                <a:gd name="T7" fmla="*/ 38 h 38"/>
+                <a:gd name="T8" fmla="*/ 415 w 424"/>
+                <a:gd name="T9" fmla="*/ 0 h 38"/>
+              </a:gdLst>
+              <a:ahLst/>
+              <a:cxnLst>
+                <a:cxn ang="0">
+                  <a:pos x="T0" y="T1"/>
+                </a:cxn>
+                <a:cxn ang="0">
+                  <a:pos x="T2" y="T3"/>
+                </a:cxn>
+                <a:cxn ang="0">
+                  <a:pos x="T4" y="T5"/>
+                </a:cxn>
+                <a:cxn ang="0">
+                  <a:pos x="T6" y="T7"/>
+                </a:cxn>
+                <a:cxn ang="0">
+                  <a:pos x="T8" y="T9"/>
+                </a:cxn>
+              </a:cxnLst>
+              <a:rect l="0" t="0" r="r" b="b"/>
+              <a:pathLst>
+                <a:path w="424" h="38">
+                  <a:moveTo>
+                    <a:pt x="415" y="0"/>
+                  </a:moveTo>
+                  <a:lnTo>
+                    <a:pt x="7" y="0"/>
+                  </a:lnTo>
+                  <a:lnTo>
+                    <a:pt x="0" y="38"/>
+                  </a:lnTo>
+                  <a:lnTo>
+                    <a:pt x="424" y="38"/>
+                  </a:lnTo>
+                  <a:lnTo>
+                    <a:pt x="415" y="0"/>
+                  </a:lnTo>
+                </a:path>
+              </a:pathLst>
+            </a:custGeom>
+            <a:noFill/>
+            <a:ln>
+              <a:noFill/>
+            </a:ln>
+            <a:extLst>
+              <a:ext uri="{909E8E84-426E-40dd-AFC4-6F175D3DCCD1}">
+                <a14:hiddenFill xmlns="" xmlns:a14="http://schemas.microsoft.com/office/drawing/2010/main">
+                  <a:solidFill>
+                    <a:srgbClr val="FFFFFF"/>
+                  </a:solidFill>
+                </a14:hiddenFill>
+              </a:ext>
+              <a:ext uri="{91240B29-F687-4f45-9708-019B960494DF}">
+                <a14:hiddenLine xmlns="" xmlns:a14="http://schemas.microsoft.com/office/drawing/2010/main" w="9525">
+                  <a:solidFill>
+                    <a:srgbClr val="000000"/>
+                  </a:solidFill>
+                  <a:round/>
+                  <a:headEnd/>
+                  <a:tailEnd/>
+                </a14:hiddenLine>
+              </a:ext>
+            </a:extLst>
+          </p:spPr>
+          <p:txBody>
+            <a:bodyPr vert="horz" wrap="square" lIns="91440" tIns="45720" rIns="91440" bIns="45720" numCol="1" anchor="t" anchorCtr="0" compatLnSpc="1">
+              <a:prstTxWarp prst="textNoShape">
+                <a:avLst/>
+              </a:prstTxWarp>
+            </a:bodyPr>
+            <a:lstStyle/>
+            <a:p>
+              <a:endParaRPr lang="id-ID"/>
+            </a:p>
+          </p:txBody>
+        </p:sp>
+      </p:grpSp>
+      <p:sp>
+        <p:nvSpPr>
+          <p:cNvPr id="94" name="TextBox 93"/>
+          <p:cNvSpPr txBox="1"/>
+          <p:nvPr/>
+        </p:nvSpPr>
+        <p:spPr>
+          <a:xfrm>
+            <a:off x="5401740" y="4228564"/>
+            <a:ext cx="1298534" cy="307777"/>
+          </a:xfrm>
+          <a:prstGeom prst="rect">
+            <a:avLst/>
+          </a:prstGeom>
+          <a:noFill/>
+        </p:spPr>
+        <p:txBody>
+          <a:bodyPr wrap="square" rtlCol="0">
+            <a:spAutoFit/>
+          </a:bodyPr>
+          <a:lstStyle/>
+          <a:p>
+            <a:pPr algn="ctr"/>
+            <a:r>
+              <a:rPr lang="id-ID" sz="1400" dirty="0" smtClean="0">
+                <a:solidFill>
+                  <a:schemeClr val="bg1"/>
+                </a:solidFill>
+                <a:latin typeface="+mj-lt"/>
+              </a:rPr>
+              <a:t>Web Browser</a:t>
+            </a:r>
+            <a:endParaRPr lang="id-ID" sz="1400" dirty="0">
+              <a:solidFill>
+                <a:schemeClr val="bg1"/>
+              </a:solidFill>
+              <a:latin typeface="+mj-lt"/>
+            </a:endParaRPr>
+          </a:p>
+        </p:txBody>
+      </p:sp>
+      <p:sp>
+        <p:nvSpPr>
+          <p:cNvPr id="98" name="TextBox 97"/>
+          <p:cNvSpPr txBox="1"/>
+          <p:nvPr/>
+        </p:nvSpPr>
+        <p:spPr>
+          <a:xfrm>
+            <a:off x="2793318" y="300049"/>
+            <a:ext cx="6875831" cy="1200329"/>
+          </a:xfrm>
+          <a:prstGeom prst="rect">
+            <a:avLst/>
+          </a:prstGeom>
+          <a:noFill/>
+        </p:spPr>
+        <p:txBody>
+          <a:bodyPr wrap="square" rtlCol="0">
+            <a:spAutoFit/>
+          </a:bodyPr>
+          <a:lstStyle/>
+          <a:p>
+            <a:pPr algn="ctr"/>
+            <a:r>
+              <a:rPr lang="en-US" sz="3600" b="1" dirty="0" smtClean="0">
+                <a:solidFill>
+                  <a:schemeClr val="bg1"/>
+                </a:solidFill>
+              </a:rPr>
+              <a:t>Lesson 4: Enable </a:t>
+            </a:r>
+            <a:r>
+              <a:rPr lang="en-US" sz="3600" b="1" dirty="0">
+                <a:solidFill>
+                  <a:schemeClr val="bg1"/>
+                </a:solidFill>
+              </a:rPr>
+              <a:t>browser-based uploads of video files to S3</a:t>
+            </a:r>
+          </a:p>
+        </p:txBody>
+      </p:sp>
+      <p:sp>
+        <p:nvSpPr>
+          <p:cNvPr id="3" name="Rectangle 2"/>
+          <p:cNvSpPr/>
+          <p:nvPr/>
+        </p:nvSpPr>
+        <p:spPr>
+          <a:xfrm>
+            <a:off x="8551395" y="2645997"/>
+            <a:ext cx="2624606" cy="559326"/>
+          </a:xfrm>
+          <a:prstGeom prst="rect">
+            <a:avLst/>
+          </a:prstGeom>
+          <a:solidFill>
+            <a:schemeClr val="accent1">
+              <a:alpha val="48000"/>
+            </a:schemeClr>
+          </a:solidFill>
+          <a:ln>
+            <a:solidFill>
+              <a:schemeClr val="bg1">
+                <a:lumMod val="75000"/>
+                <a:alpha val="48000"/>
+              </a:schemeClr>
+            </a:solidFill>
+          </a:ln>
+        </p:spPr>
+        <p:style>
+          <a:lnRef idx="2">
+            <a:schemeClr val="accent1">
+              <a:shade val="50000"/>
+            </a:schemeClr>
+          </a:lnRef>
+          <a:fillRef idx="1">
+            <a:schemeClr val="accent1"/>
+          </a:fillRef>
+          <a:effectRef idx="0">
+            <a:schemeClr val="accent1"/>
+          </a:effectRef>
+          <a:fontRef idx="minor">
+            <a:schemeClr val="lt1"/>
+          </a:fontRef>
+        </p:style>
+        <p:txBody>
+          <a:bodyPr rtlCol="0" anchor="ctr"/>
+          <a:lstStyle/>
+          <a:p>
+            <a:pPr algn="ctr"/>
+            <a:r>
+              <a:rPr lang="en-US" dirty="0" smtClean="0">
+                <a:solidFill>
+                  <a:schemeClr val="lt1">
+                    <a:alpha val="49000"/>
+                  </a:schemeClr>
+                </a:solidFill>
+              </a:rPr>
+              <a:t>Video Transcoder</a:t>
+            </a:r>
+            <a:endParaRPr lang="en-US" dirty="0">
+              <a:solidFill>
+                <a:schemeClr val="lt1">
+                  <a:alpha val="49000"/>
+                </a:schemeClr>
+              </a:solidFill>
+            </a:endParaRPr>
+          </a:p>
+        </p:txBody>
+      </p:sp>
+      <p:sp>
+        <p:nvSpPr>
+          <p:cNvPr id="69" name="Rectangle 68"/>
+          <p:cNvSpPr/>
+          <p:nvPr/>
+        </p:nvSpPr>
+        <p:spPr>
+          <a:xfrm>
+            <a:off x="8545712" y="3443613"/>
+            <a:ext cx="2624606" cy="592947"/>
+          </a:xfrm>
+          <a:prstGeom prst="rect">
+            <a:avLst/>
+          </a:prstGeom>
+          <a:solidFill>
+            <a:schemeClr val="accent1">
+              <a:alpha val="48000"/>
+            </a:schemeClr>
+          </a:solidFill>
+          <a:ln>
+            <a:solidFill>
+              <a:schemeClr val="bg1">
+                <a:lumMod val="75000"/>
+                <a:alpha val="48000"/>
+              </a:schemeClr>
+            </a:solidFill>
+          </a:ln>
+        </p:spPr>
+        <p:style>
+          <a:lnRef idx="2">
+            <a:schemeClr val="accent1">
+              <a:shade val="50000"/>
+            </a:schemeClr>
+          </a:lnRef>
+          <a:fillRef idx="1">
+            <a:schemeClr val="accent1"/>
+          </a:fillRef>
+          <a:effectRef idx="0">
+            <a:schemeClr val="accent1"/>
+          </a:effectRef>
+          <a:fontRef idx="minor">
+            <a:schemeClr val="lt1"/>
+          </a:fontRef>
+        </p:style>
+        <p:txBody>
+          <a:bodyPr rtlCol="0" anchor="ctr"/>
+          <a:lstStyle/>
+          <a:p>
+            <a:pPr algn="ctr"/>
+            <a:r>
+              <a:rPr lang="en-US" dirty="0" smtClean="0">
+                <a:solidFill>
+                  <a:schemeClr val="lt1">
+                    <a:alpha val="49000"/>
+                  </a:schemeClr>
+                </a:solidFill>
+              </a:rPr>
+              <a:t>Media Storage</a:t>
+            </a:r>
+            <a:endParaRPr lang="en-US" dirty="0">
+              <a:solidFill>
+                <a:schemeClr val="lt1">
+                  <a:alpha val="49000"/>
+                </a:schemeClr>
+              </a:solidFill>
+            </a:endParaRPr>
+          </a:p>
+        </p:txBody>
+      </p:sp>
+      <p:sp>
+        <p:nvSpPr>
+          <p:cNvPr id="71" name="Rectangle 70"/>
+          <p:cNvSpPr/>
+          <p:nvPr/>
+        </p:nvSpPr>
+        <p:spPr>
+          <a:xfrm>
+            <a:off x="4742102" y="5630897"/>
+            <a:ext cx="2624606" cy="824160"/>
+          </a:xfrm>
+          <a:prstGeom prst="rect">
+            <a:avLst/>
+          </a:prstGeom>
+          <a:solidFill>
+            <a:schemeClr val="accent1">
+              <a:alpha val="47000"/>
+            </a:schemeClr>
+          </a:solidFill>
+          <a:ln>
+            <a:solidFill>
+              <a:schemeClr val="bg1">
+                <a:lumMod val="75000"/>
+                <a:alpha val="47000"/>
+              </a:schemeClr>
+            </a:solidFill>
+          </a:ln>
+        </p:spPr>
+        <p:style>
+          <a:lnRef idx="2">
+            <a:schemeClr val="accent1">
+              <a:shade val="50000"/>
+            </a:schemeClr>
+          </a:lnRef>
+          <a:fillRef idx="1">
+            <a:schemeClr val="accent1"/>
+          </a:fillRef>
+          <a:effectRef idx="0">
+            <a:schemeClr val="accent1"/>
+          </a:effectRef>
+          <a:fontRef idx="minor">
+            <a:schemeClr val="lt1"/>
+          </a:fontRef>
+        </p:style>
+        <p:txBody>
+          <a:bodyPr rtlCol="0" anchor="ctr"/>
+          <a:lstStyle/>
+          <a:p>
+            <a:pPr algn="ctr"/>
+            <a:r>
+              <a:rPr lang="en-US" dirty="0" smtClean="0">
+                <a:solidFill>
+                  <a:schemeClr val="lt1">
+                    <a:alpha val="47000"/>
+                  </a:schemeClr>
+                </a:solidFill>
+              </a:rPr>
+              <a:t>Custom API</a:t>
+            </a:r>
+            <a:endParaRPr lang="en-US" dirty="0">
+              <a:solidFill>
+                <a:schemeClr val="lt1">
+                  <a:alpha val="47000"/>
+                </a:schemeClr>
+              </a:solidFill>
+            </a:endParaRPr>
+          </a:p>
+        </p:txBody>
+      </p:sp>
+      <p:sp>
+        <p:nvSpPr>
+          <p:cNvPr id="72" name="Rectangle 71"/>
+          <p:cNvSpPr/>
+          <p:nvPr/>
+        </p:nvSpPr>
+        <p:spPr>
+          <a:xfrm>
+            <a:off x="1002192" y="1919123"/>
+            <a:ext cx="2624605" cy="824160"/>
+          </a:xfrm>
+          <a:prstGeom prst="rect">
+            <a:avLst/>
+          </a:prstGeom>
+          <a:solidFill>
+            <a:schemeClr val="accent1">
+              <a:alpha val="47000"/>
+            </a:schemeClr>
+          </a:solidFill>
+          <a:ln>
+            <a:solidFill>
+              <a:schemeClr val="bg1">
+                <a:lumMod val="75000"/>
+                <a:alpha val="47000"/>
+              </a:schemeClr>
+            </a:solidFill>
+          </a:ln>
+        </p:spPr>
+        <p:style>
+          <a:lnRef idx="2">
+            <a:schemeClr val="accent1">
+              <a:shade val="50000"/>
+            </a:schemeClr>
+          </a:lnRef>
+          <a:fillRef idx="1">
+            <a:schemeClr val="accent1"/>
+          </a:fillRef>
+          <a:effectRef idx="0">
+            <a:schemeClr val="accent1"/>
+          </a:effectRef>
+          <a:fontRef idx="minor">
+            <a:schemeClr val="lt1"/>
+          </a:fontRef>
+        </p:style>
+        <p:txBody>
+          <a:bodyPr rtlCol="0" anchor="ctr"/>
+          <a:lstStyle/>
+          <a:p>
+            <a:pPr algn="ctr"/>
+            <a:r>
+              <a:rPr lang="en-US" dirty="0" smtClean="0">
+                <a:solidFill>
+                  <a:schemeClr val="lt1">
+                    <a:alpha val="47000"/>
+                  </a:schemeClr>
+                </a:solidFill>
+              </a:rPr>
+              <a:t>Web Application</a:t>
+            </a:r>
+            <a:endParaRPr lang="en-US" dirty="0">
+              <a:solidFill>
+                <a:schemeClr val="lt1">
+                  <a:alpha val="47000"/>
+                </a:schemeClr>
+              </a:solidFill>
+            </a:endParaRPr>
+          </a:p>
+        </p:txBody>
+      </p:sp>
+      <p:sp>
+        <p:nvSpPr>
+          <p:cNvPr id="73" name="Rectangle 72"/>
+          <p:cNvSpPr/>
+          <p:nvPr/>
+        </p:nvSpPr>
+        <p:spPr>
+          <a:xfrm>
+            <a:off x="8545712" y="4306004"/>
+            <a:ext cx="2624606" cy="566329"/>
+          </a:xfrm>
+          <a:prstGeom prst="rect">
+            <a:avLst/>
+          </a:prstGeom>
+          <a:solidFill>
+            <a:schemeClr val="accent1">
+              <a:alpha val="5000"/>
+            </a:schemeClr>
+          </a:solidFill>
+          <a:ln>
+            <a:solidFill>
+              <a:schemeClr val="bg1">
+                <a:lumMod val="75000"/>
+                <a:alpha val="5000"/>
+              </a:schemeClr>
+            </a:solidFill>
+          </a:ln>
+        </p:spPr>
+        <p:style>
+          <a:lnRef idx="2">
+            <a:schemeClr val="accent1">
+              <a:shade val="50000"/>
+            </a:schemeClr>
+          </a:lnRef>
+          <a:fillRef idx="1">
+            <a:schemeClr val="accent1"/>
+          </a:fillRef>
+          <a:effectRef idx="0">
+            <a:schemeClr val="accent1"/>
+          </a:effectRef>
+          <a:fontRef idx="minor">
+            <a:schemeClr val="lt1"/>
+          </a:fontRef>
+        </p:style>
+        <p:txBody>
+          <a:bodyPr rtlCol="0" anchor="ctr"/>
+          <a:lstStyle/>
+          <a:p>
+            <a:pPr algn="ctr"/>
+            <a:r>
+              <a:rPr lang="en-US" dirty="0">
+                <a:solidFill>
+                  <a:schemeClr val="lt1">
+                    <a:alpha val="5000"/>
+                  </a:schemeClr>
+                </a:solidFill>
+              </a:rPr>
+              <a:t>Video List Database</a:t>
+            </a:r>
+          </a:p>
+        </p:txBody>
+      </p:sp>
+      <p:cxnSp>
+        <p:nvCxnSpPr>
+          <p:cNvPr id="74" name="Straight Connector 73"/>
+          <p:cNvCxnSpPr>
+            <a:stCxn id="72" idx="3"/>
+          </p:cNvCxnSpPr>
+          <p:nvPr/>
+        </p:nvCxnSpPr>
+        <p:spPr>
+          <a:xfrm>
+            <a:off x="3626797" y="2331203"/>
+            <a:ext cx="1533768" cy="1022799"/>
+          </a:xfrm>
+          <a:prstGeom prst="line">
+            <a:avLst/>
+          </a:prstGeom>
+          <a:ln w="38100">
+            <a:solidFill>
+              <a:schemeClr val="bg1">
+                <a:lumMod val="75000"/>
+                <a:alpha val="47000"/>
+              </a:schemeClr>
+            </a:solidFill>
+            <a:prstDash val="solid"/>
+            <a:headEnd type="none" w="med" len="med"/>
+            <a:tailEnd type="triangle" w="med" len="med"/>
+          </a:ln>
+        </p:spPr>
+        <p:style>
+          <a:lnRef idx="1">
+            <a:schemeClr val="accent1"/>
+          </a:lnRef>
+          <a:fillRef idx="0">
+            <a:schemeClr val="accent1"/>
+          </a:fillRef>
+          <a:effectRef idx="0">
+            <a:schemeClr val="accent1"/>
+          </a:effectRef>
+          <a:fontRef idx="minor">
+            <a:schemeClr val="tx1"/>
+          </a:fontRef>
+        </p:style>
+      </p:cxnSp>
+      <p:cxnSp>
+        <p:nvCxnSpPr>
+          <p:cNvPr id="91" name="Straight Connector 90"/>
+          <p:cNvCxnSpPr>
+            <a:stCxn id="94" idx="2"/>
+            <a:endCxn id="71" idx="0"/>
+          </p:cNvCxnSpPr>
+          <p:nvPr/>
+        </p:nvCxnSpPr>
+        <p:spPr>
+          <a:xfrm>
+            <a:off x="6051007" y="4536341"/>
+            <a:ext cx="3398" cy="1094556"/>
+          </a:xfrm>
+          <a:prstGeom prst="line">
+            <a:avLst/>
+          </a:prstGeom>
+          <a:ln w="38100">
+            <a:solidFill>
+              <a:schemeClr val="bg1">
+                <a:lumMod val="75000"/>
+                <a:alpha val="47000"/>
+              </a:schemeClr>
+            </a:solidFill>
+            <a:prstDash val="solid"/>
+            <a:headEnd type="none" w="med" len="med"/>
+            <a:tailEnd type="triangle" w="med" len="med"/>
+          </a:ln>
+        </p:spPr>
+        <p:style>
+          <a:lnRef idx="1">
+            <a:schemeClr val="accent1"/>
+          </a:lnRef>
+          <a:fillRef idx="0">
+            <a:schemeClr val="accent1"/>
+          </a:fillRef>
+          <a:effectRef idx="0">
+            <a:schemeClr val="accent1"/>
+          </a:effectRef>
+          <a:fontRef idx="minor">
+            <a:schemeClr val="tx1"/>
+          </a:fontRef>
+        </p:style>
+      </p:cxnSp>
+      <p:cxnSp>
+        <p:nvCxnSpPr>
+          <p:cNvPr id="92" name="Straight Connector 91"/>
+          <p:cNvCxnSpPr>
+            <a:stCxn id="3" idx="2"/>
+            <a:endCxn id="69" idx="0"/>
+          </p:cNvCxnSpPr>
+          <p:nvPr/>
+        </p:nvCxnSpPr>
+        <p:spPr>
+          <a:xfrm flipH="1">
+            <a:off x="9858015" y="3205323"/>
+            <a:ext cx="5683" cy="238290"/>
+          </a:xfrm>
+          <a:prstGeom prst="line">
+            <a:avLst/>
+          </a:prstGeom>
+          <a:ln w="38100">
+            <a:solidFill>
+              <a:schemeClr val="bg1">
+                <a:lumMod val="75000"/>
+                <a:alpha val="48000"/>
+              </a:schemeClr>
+            </a:solidFill>
+            <a:prstDash val="solid"/>
+            <a:headEnd type="none" w="med" len="med"/>
+            <a:tailEnd type="triangle" w="med" len="med"/>
+          </a:ln>
+        </p:spPr>
+        <p:style>
+          <a:lnRef idx="1">
+            <a:schemeClr val="accent1"/>
+          </a:lnRef>
+          <a:fillRef idx="0">
+            <a:schemeClr val="accent1"/>
+          </a:fillRef>
+          <a:effectRef idx="0">
+            <a:schemeClr val="accent1"/>
+          </a:effectRef>
+          <a:fontRef idx="minor">
+            <a:schemeClr val="tx1"/>
+          </a:fontRef>
+        </p:style>
+      </p:cxnSp>
+      <p:grpSp>
+        <p:nvGrpSpPr>
+          <p:cNvPr id="76" name="Group 75"/>
+          <p:cNvGrpSpPr/>
+          <p:nvPr/>
+        </p:nvGrpSpPr>
+        <p:grpSpPr>
+          <a:xfrm>
+            <a:off x="5257754" y="3356854"/>
+            <a:ext cx="479416" cy="863449"/>
+            <a:chOff x="7296151" y="4556125"/>
+            <a:chExt cx="758824" cy="1330325"/>
+          </a:xfrm>
+        </p:grpSpPr>
+        <p:sp>
+          <p:nvSpPr>
+            <p:cNvPr id="77" name="Freeform 38"/>
+            <p:cNvSpPr>
+              <a:spLocks/>
+            </p:cNvSpPr>
+            <p:nvPr/>
+          </p:nvSpPr>
+          <p:spPr bwMode="auto">
+            <a:xfrm>
+              <a:off x="7296151" y="4556125"/>
+              <a:ext cx="758824" cy="1330325"/>
+            </a:xfrm>
+            <a:custGeom>
+              <a:avLst/>
+              <a:gdLst>
+                <a:gd name="T0" fmla="*/ 174 w 199"/>
+                <a:gd name="T1" fmla="*/ 0 h 352"/>
+                <a:gd name="T2" fmla="*/ 26 w 199"/>
+                <a:gd name="T3" fmla="*/ 0 h 352"/>
+                <a:gd name="T4" fmla="*/ 0 w 199"/>
+                <a:gd name="T5" fmla="*/ 26 h 352"/>
+                <a:gd name="T6" fmla="*/ 0 w 199"/>
+                <a:gd name="T7" fmla="*/ 327 h 352"/>
+                <a:gd name="T8" fmla="*/ 26 w 199"/>
+                <a:gd name="T9" fmla="*/ 352 h 352"/>
+                <a:gd name="T10" fmla="*/ 174 w 199"/>
+                <a:gd name="T11" fmla="*/ 352 h 352"/>
+                <a:gd name="T12" fmla="*/ 199 w 199"/>
+                <a:gd name="T13" fmla="*/ 327 h 352"/>
+                <a:gd name="T14" fmla="*/ 199 w 199"/>
+                <a:gd name="T15" fmla="*/ 26 h 352"/>
+                <a:gd name="T16" fmla="*/ 174 w 199"/>
+                <a:gd name="T17" fmla="*/ 0 h 352"/>
+              </a:gdLst>
+              <a:ahLst/>
+              <a:cxnLst>
+                <a:cxn ang="0">
+                  <a:pos x="T0" y="T1"/>
+                </a:cxn>
+                <a:cxn ang="0">
+                  <a:pos x="T2" y="T3"/>
+                </a:cxn>
+                <a:cxn ang="0">
+                  <a:pos x="T4" y="T5"/>
+                </a:cxn>
+                <a:cxn ang="0">
+                  <a:pos x="T6" y="T7"/>
+                </a:cxn>
+                <a:cxn ang="0">
+                  <a:pos x="T8" y="T9"/>
+                </a:cxn>
+                <a:cxn ang="0">
+                  <a:pos x="T10" y="T11"/>
+                </a:cxn>
+                <a:cxn ang="0">
+                  <a:pos x="T12" y="T13"/>
+                </a:cxn>
+                <a:cxn ang="0">
+                  <a:pos x="T14" y="T15"/>
+                </a:cxn>
+                <a:cxn ang="0">
+                  <a:pos x="T16" y="T17"/>
+                </a:cxn>
+              </a:cxnLst>
+              <a:rect l="0" t="0" r="r" b="b"/>
+              <a:pathLst>
+                <a:path w="199" h="352">
+                  <a:moveTo>
+                    <a:pt x="174" y="0"/>
+                  </a:moveTo>
+                  <a:cubicBezTo>
+                    <a:pt x="26" y="0"/>
+                    <a:pt x="26" y="0"/>
+                    <a:pt x="26" y="0"/>
+                  </a:cubicBezTo>
+                  <a:cubicBezTo>
+                    <a:pt x="11" y="0"/>
+                    <a:pt x="0" y="12"/>
+                    <a:pt x="0" y="26"/>
+                  </a:cubicBezTo>
+                  <a:cubicBezTo>
+                    <a:pt x="0" y="327"/>
+                    <a:pt x="0" y="327"/>
+                    <a:pt x="0" y="327"/>
+                  </a:cubicBezTo>
+                  <a:cubicBezTo>
+                    <a:pt x="0" y="341"/>
+                    <a:pt x="11" y="352"/>
+                    <a:pt x="26" y="352"/>
+                  </a:cubicBezTo>
+                  <a:cubicBezTo>
+                    <a:pt x="174" y="352"/>
+                    <a:pt x="174" y="352"/>
+                    <a:pt x="174" y="352"/>
+                  </a:cubicBezTo>
+                  <a:cubicBezTo>
+                    <a:pt x="188" y="352"/>
+                    <a:pt x="199" y="341"/>
+                    <a:pt x="199" y="327"/>
+                  </a:cubicBezTo>
+                  <a:cubicBezTo>
+                    <a:pt x="199" y="26"/>
+                    <a:pt x="199" y="26"/>
+                    <a:pt x="199" y="26"/>
+                  </a:cubicBezTo>
+                  <a:cubicBezTo>
+                    <a:pt x="199" y="12"/>
+                    <a:pt x="188" y="0"/>
+                    <a:pt x="174" y="0"/>
+                  </a:cubicBezTo>
+                  <a:close/>
+                </a:path>
+              </a:pathLst>
+            </a:custGeom>
+            <a:solidFill>
+              <a:schemeClr val="tx1">
+                <a:lumMod val="65000"/>
+                <a:lumOff val="35000"/>
+              </a:schemeClr>
+            </a:solidFill>
+            <a:ln>
+              <a:noFill/>
+            </a:ln>
+            <a:effectLst>
+              <a:outerShdw blurRad="127000" dir="13500000" sy="23000" kx="1200000" algn="br" rotWithShape="0">
+                <a:prstClr val="black">
+                  <a:alpha val="10000"/>
+                </a:prstClr>
+              </a:outerShdw>
+            </a:effectLst>
+          </p:spPr>
+          <p:txBody>
+            <a:bodyPr vert="horz" wrap="square" lIns="91440" tIns="45720" rIns="91440" bIns="45720" numCol="1" anchor="t" anchorCtr="0" compatLnSpc="1">
+              <a:prstTxWarp prst="textNoShape">
+                <a:avLst/>
+              </a:prstTxWarp>
+            </a:bodyPr>
+            <a:lstStyle/>
+            <a:p>
+              <a:endParaRPr lang="id-ID"/>
+            </a:p>
+          </p:txBody>
+        </p:sp>
+        <p:sp>
+          <p:nvSpPr>
+            <p:cNvPr id="78" name="Rectangle 39"/>
+            <p:cNvSpPr>
+              <a:spLocks noChangeArrowheads="1"/>
+            </p:cNvSpPr>
+            <p:nvPr/>
+          </p:nvSpPr>
+          <p:spPr bwMode="auto">
+            <a:xfrm>
+              <a:off x="7379223" y="4718050"/>
+              <a:ext cx="612775" cy="919163"/>
+            </a:xfrm>
+            <a:prstGeom prst="rect">
+              <a:avLst/>
+            </a:prstGeom>
+            <a:solidFill>
+              <a:schemeClr val="accent6"/>
+            </a:solidFill>
+            <a:ln>
+              <a:noFill/>
+            </a:ln>
+          </p:spPr>
+          <p:txBody>
+            <a:bodyPr vert="horz" wrap="square" lIns="91440" tIns="45720" rIns="91440" bIns="45720" numCol="1" anchor="t" anchorCtr="0" compatLnSpc="1">
+              <a:prstTxWarp prst="textNoShape">
+                <a:avLst/>
+              </a:prstTxWarp>
+            </a:bodyPr>
+            <a:lstStyle/>
+            <a:p>
+              <a:endParaRPr lang="id-ID"/>
+            </a:p>
+          </p:txBody>
+        </p:sp>
+        <p:sp>
+          <p:nvSpPr>
+            <p:cNvPr id="79" name="Freeform 40"/>
+            <p:cNvSpPr>
+              <a:spLocks/>
+            </p:cNvSpPr>
+            <p:nvPr/>
+          </p:nvSpPr>
+          <p:spPr bwMode="auto">
+            <a:xfrm>
+              <a:off x="7543800" y="4627563"/>
+              <a:ext cx="263525" cy="26988"/>
+            </a:xfrm>
+            <a:custGeom>
+              <a:avLst/>
+              <a:gdLst>
+                <a:gd name="T0" fmla="*/ 166 w 166"/>
+                <a:gd name="T1" fmla="*/ 17 h 17"/>
+                <a:gd name="T2" fmla="*/ 0 w 166"/>
+                <a:gd name="T3" fmla="*/ 17 h 17"/>
+                <a:gd name="T4" fmla="*/ 0 w 166"/>
+                <a:gd name="T5" fmla="*/ 0 h 17"/>
+                <a:gd name="T6" fmla="*/ 166 w 166"/>
+                <a:gd name="T7" fmla="*/ 0 h 17"/>
+                <a:gd name="T8" fmla="*/ 166 w 166"/>
+                <a:gd name="T9" fmla="*/ 17 h 17"/>
+                <a:gd name="T10" fmla="*/ 166 w 166"/>
+                <a:gd name="T11" fmla="*/ 17 h 17"/>
+              </a:gdLst>
+              <a:ahLst/>
+              <a:cxnLst>
+                <a:cxn ang="0">
+                  <a:pos x="T0" y="T1"/>
+                </a:cxn>
+                <a:cxn ang="0">
+                  <a:pos x="T2" y="T3"/>
+                </a:cxn>
+                <a:cxn ang="0">
+                  <a:pos x="T4" y="T5"/>
+                </a:cxn>
+                <a:cxn ang="0">
+                  <a:pos x="T6" y="T7"/>
+                </a:cxn>
+                <a:cxn ang="0">
+                  <a:pos x="T8" y="T9"/>
+                </a:cxn>
+                <a:cxn ang="0">
+                  <a:pos x="T10" y="T11"/>
+                </a:cxn>
+              </a:cxnLst>
+              <a:rect l="0" t="0" r="r" b="b"/>
+              <a:pathLst>
+                <a:path w="166" h="17">
+                  <a:moveTo>
+                    <a:pt x="166" y="17"/>
+                  </a:moveTo>
+                  <a:lnTo>
+                    <a:pt x="0" y="17"/>
+                  </a:lnTo>
+                  <a:lnTo>
+                    <a:pt x="0" y="0"/>
+                  </a:lnTo>
+                  <a:lnTo>
+                    <a:pt x="166" y="0"/>
+                  </a:lnTo>
+                  <a:lnTo>
+                    <a:pt x="166" y="17"/>
+                  </a:lnTo>
+                  <a:lnTo>
+                    <a:pt x="166" y="17"/>
+                  </a:lnTo>
+                  <a:close/>
+                </a:path>
+              </a:pathLst>
+            </a:custGeom>
+            <a:solidFill>
+              <a:srgbClr val="FFFFFF"/>
+            </a:solidFill>
+            <a:ln>
+              <a:noFill/>
+            </a:ln>
+            <a:extLst>
+              <a:ext uri="{91240B29-F687-4f45-9708-019B960494DF}">
+                <a14:hiddenLine xmlns="" xmlns:a14="http://schemas.microsoft.com/office/drawing/2010/main" w="9525">
+                  <a:solidFill>
+                    <a:srgbClr val="000000"/>
+                  </a:solidFill>
+                  <a:round/>
+                  <a:headEnd/>
+                  <a:tailEnd/>
+                </a14:hiddenLine>
+              </a:ext>
+            </a:extLst>
+          </p:spPr>
+          <p:txBody>
+            <a:bodyPr vert="horz" wrap="square" lIns="91440" tIns="45720" rIns="91440" bIns="45720" numCol="1" anchor="t" anchorCtr="0" compatLnSpc="1">
+              <a:prstTxWarp prst="textNoShape">
+                <a:avLst/>
+              </a:prstTxWarp>
+            </a:bodyPr>
+            <a:lstStyle/>
+            <a:p>
+              <a:endParaRPr lang="id-ID"/>
+            </a:p>
+          </p:txBody>
+        </p:sp>
+        <p:sp>
+          <p:nvSpPr>
+            <p:cNvPr id="80" name="Oval 41"/>
+            <p:cNvSpPr>
+              <a:spLocks noChangeArrowheads="1"/>
+            </p:cNvSpPr>
+            <p:nvPr/>
+          </p:nvSpPr>
+          <p:spPr bwMode="auto">
+            <a:xfrm>
+              <a:off x="7867650" y="4616450"/>
+              <a:ext cx="50800" cy="49213"/>
+            </a:xfrm>
+            <a:prstGeom prst="ellipse">
+              <a:avLst/>
+            </a:prstGeom>
+            <a:solidFill>
+              <a:srgbClr val="FFFFFF"/>
+            </a:solidFill>
+            <a:ln>
+              <a:noFill/>
+            </a:ln>
+            <a:extLst>
+              <a:ext uri="{91240B29-F687-4f45-9708-019B960494DF}">
+                <a14:hiddenLine xmlns="" xmlns:a14="http://schemas.microsoft.com/office/drawing/2010/main" w="9525">
+                  <a:solidFill>
+                    <a:srgbClr val="000000"/>
+                  </a:solidFill>
+                  <a:round/>
+                  <a:headEnd/>
+                  <a:tailEnd/>
+                </a14:hiddenLine>
+              </a:ext>
+            </a:extLst>
+          </p:spPr>
+          <p:txBody>
+            <a:bodyPr vert="horz" wrap="square" lIns="91440" tIns="45720" rIns="91440" bIns="45720" numCol="1" anchor="t" anchorCtr="0" compatLnSpc="1">
+              <a:prstTxWarp prst="textNoShape">
+                <a:avLst/>
+              </a:prstTxWarp>
+            </a:bodyPr>
+            <a:lstStyle/>
+            <a:p>
+              <a:endParaRPr lang="id-ID"/>
+            </a:p>
+          </p:txBody>
+        </p:sp>
+        <p:sp>
+          <p:nvSpPr>
+            <p:cNvPr id="81" name="Rectangle 42"/>
+            <p:cNvSpPr>
+              <a:spLocks noChangeArrowheads="1"/>
+            </p:cNvSpPr>
+            <p:nvPr/>
+          </p:nvSpPr>
+          <p:spPr bwMode="auto">
+            <a:xfrm>
+              <a:off x="7556500" y="5713413"/>
+              <a:ext cx="239712" cy="71438"/>
+            </a:xfrm>
+            <a:prstGeom prst="rect">
+              <a:avLst/>
+            </a:prstGeom>
+            <a:solidFill>
+              <a:srgbClr val="FFFFFF"/>
+            </a:solidFill>
+            <a:ln>
+              <a:noFill/>
+            </a:ln>
+            <a:extLst>
+              <a:ext uri="{91240B29-F687-4f45-9708-019B960494DF}">
+                <a14:hiddenLine xmlns="" xmlns:a14="http://schemas.microsoft.com/office/drawing/2010/main" w="9525">
+                  <a:solidFill>
+                    <a:srgbClr val="000000"/>
+                  </a:solidFill>
+                  <a:miter lim="800000"/>
+                  <a:headEnd/>
+                  <a:tailEnd/>
+                </a14:hiddenLine>
+              </a:ext>
+            </a:extLst>
+          </p:spPr>
+          <p:txBody>
+            <a:bodyPr vert="horz" wrap="square" lIns="91440" tIns="45720" rIns="91440" bIns="45720" numCol="1" anchor="t" anchorCtr="0" compatLnSpc="1">
+              <a:prstTxWarp prst="textNoShape">
+                <a:avLst/>
+              </a:prstTxWarp>
+            </a:bodyPr>
+            <a:lstStyle/>
+            <a:p>
+              <a:endParaRPr lang="id-ID"/>
+            </a:p>
+          </p:txBody>
+        </p:sp>
+      </p:grpSp>
+      <p:cxnSp>
+        <p:nvCxnSpPr>
+          <p:cNvPr id="96" name="Straight Connector 95"/>
+          <p:cNvCxnSpPr>
+            <a:endCxn id="117" idx="1"/>
+          </p:cNvCxnSpPr>
+          <p:nvPr/>
+        </p:nvCxnSpPr>
+        <p:spPr>
+          <a:xfrm flipV="1">
+            <a:off x="6797463" y="2124101"/>
+            <a:ext cx="1748249" cy="1192040"/>
+          </a:xfrm>
+          <a:prstGeom prst="line">
+            <a:avLst/>
+          </a:prstGeom>
+          <a:ln w="38100">
+            <a:solidFill>
+              <a:schemeClr val="bg1">
+                <a:lumMod val="75000"/>
+              </a:schemeClr>
+            </a:solidFill>
+            <a:prstDash val="solid"/>
+            <a:headEnd type="none" w="med" len="med"/>
+            <a:tailEnd type="triangle" w="med" len="med"/>
+          </a:ln>
+        </p:spPr>
+        <p:style>
+          <a:lnRef idx="1">
+            <a:schemeClr val="accent1"/>
+          </a:lnRef>
+          <a:fillRef idx="0">
+            <a:schemeClr val="accent1"/>
+          </a:fillRef>
+          <a:effectRef idx="0">
+            <a:schemeClr val="accent1"/>
+          </a:effectRef>
+          <a:fontRef idx="minor">
+            <a:schemeClr val="tx1"/>
+          </a:fontRef>
+        </p:style>
+      </p:cxnSp>
+      <p:cxnSp>
+        <p:nvCxnSpPr>
+          <p:cNvPr id="97" name="Straight Connector 96"/>
+          <p:cNvCxnSpPr>
+            <a:stCxn id="69" idx="2"/>
+            <a:endCxn id="73" idx="0"/>
+          </p:cNvCxnSpPr>
+          <p:nvPr/>
+        </p:nvCxnSpPr>
+        <p:spPr>
+          <a:xfrm>
+            <a:off x="9858015" y="4036560"/>
+            <a:ext cx="0" cy="269444"/>
+          </a:xfrm>
+          <a:prstGeom prst="line">
+            <a:avLst/>
+          </a:prstGeom>
+          <a:ln w="38100">
+            <a:solidFill>
+              <a:schemeClr val="bg1">
+                <a:lumMod val="75000"/>
+                <a:alpha val="5000"/>
+              </a:schemeClr>
+            </a:solidFill>
+            <a:prstDash val="solid"/>
+            <a:headEnd type="none" w="med" len="med"/>
+            <a:tailEnd type="triangle" w="med" len="med"/>
+          </a:ln>
+        </p:spPr>
+        <p:style>
+          <a:lnRef idx="1">
+            <a:schemeClr val="accent1"/>
+          </a:lnRef>
+          <a:fillRef idx="0">
+            <a:schemeClr val="accent1"/>
+          </a:fillRef>
+          <a:effectRef idx="0">
+            <a:schemeClr val="accent1"/>
+          </a:effectRef>
+          <a:fontRef idx="minor">
+            <a:schemeClr val="tx1"/>
+          </a:fontRef>
+        </p:style>
+      </p:cxnSp>
+      <p:cxnSp>
+        <p:nvCxnSpPr>
+          <p:cNvPr id="99" name="Straight Connector 98"/>
+          <p:cNvCxnSpPr>
+            <a:stCxn id="73" idx="1"/>
+          </p:cNvCxnSpPr>
+          <p:nvPr/>
+        </p:nvCxnSpPr>
+        <p:spPr>
+          <a:xfrm flipH="1" flipV="1">
+            <a:off x="6750550" y="3564941"/>
+            <a:ext cx="1795162" cy="1024228"/>
+          </a:xfrm>
+          <a:prstGeom prst="line">
+            <a:avLst/>
+          </a:prstGeom>
+          <a:ln w="38100">
+            <a:solidFill>
+              <a:schemeClr val="bg1">
+                <a:lumMod val="75000"/>
+                <a:alpha val="5000"/>
+              </a:schemeClr>
+            </a:solidFill>
+            <a:prstDash val="solid"/>
+            <a:headEnd type="none" w="med" len="med"/>
+            <a:tailEnd type="triangle" w="med" len="med"/>
+          </a:ln>
+        </p:spPr>
+        <p:style>
+          <a:lnRef idx="1">
+            <a:schemeClr val="accent1"/>
+          </a:lnRef>
+          <a:fillRef idx="0">
+            <a:schemeClr val="accent1"/>
+          </a:fillRef>
+          <a:effectRef idx="0">
+            <a:schemeClr val="accent1"/>
+          </a:effectRef>
+          <a:fontRef idx="minor">
+            <a:schemeClr val="tx1"/>
+          </a:fontRef>
+        </p:style>
+      </p:cxnSp>
+      <p:pic>
+        <p:nvPicPr>
+          <p:cNvPr id="101" name="Picture 100"/>
+          <p:cNvPicPr>
+            <a:picLocks noChangeAspect="1"/>
+          </p:cNvPicPr>
+          <p:nvPr/>
+        </p:nvPicPr>
+        <p:blipFill>
+          <a:blip r:embed="rId3">
+            <a:extLst>
+              <a:ext uri="{28A0092B-C50C-407E-A947-70E740481C1C}">
+                <a14:useLocalDpi xmlns:a14="http://schemas.microsoft.com/office/drawing/2010/main" val="0"/>
+              </a:ext>
+            </a:extLst>
+          </a:blip>
+          <a:stretch>
+            <a:fillRect/>
+          </a:stretch>
+        </p:blipFill>
+        <p:spPr>
+          <a:xfrm>
+            <a:off x="10792106" y="10173273"/>
+            <a:ext cx="301588" cy="333334"/>
+          </a:xfrm>
+          <a:prstGeom prst="rect">
+            <a:avLst/>
+          </a:prstGeom>
+        </p:spPr>
+      </p:pic>
+      <p:pic>
+        <p:nvPicPr>
+          <p:cNvPr id="103" name="Picture 102"/>
+          <p:cNvPicPr>
+            <a:picLocks noChangeAspect="1"/>
+          </p:cNvPicPr>
+          <p:nvPr/>
+        </p:nvPicPr>
+        <p:blipFill>
+          <a:blip r:embed="rId3">
+            <a:extLst>
+              <a:ext uri="{28A0092B-C50C-407E-A947-70E740481C1C}">
+                <a14:useLocalDpi xmlns:a14="http://schemas.microsoft.com/office/drawing/2010/main" val="0"/>
+              </a:ext>
+            </a:extLst>
+          </a:blip>
+          <a:stretch>
+            <a:fillRect/>
+          </a:stretch>
+        </p:blipFill>
+        <p:spPr>
+          <a:xfrm>
+            <a:off x="14620468" y="4734206"/>
+            <a:ext cx="301588" cy="333334"/>
+          </a:xfrm>
+          <a:prstGeom prst="rect">
+            <a:avLst/>
+          </a:prstGeom>
+        </p:spPr>
+      </p:pic>
+      <p:sp>
+        <p:nvSpPr>
+          <p:cNvPr id="105" name="Rectangle 104"/>
+          <p:cNvSpPr/>
+          <p:nvPr/>
+        </p:nvSpPr>
+        <p:spPr>
+          <a:xfrm>
+            <a:off x="1017495" y="3941948"/>
+            <a:ext cx="2624606" cy="824160"/>
+          </a:xfrm>
+          <a:prstGeom prst="rect">
+            <a:avLst/>
+          </a:prstGeom>
+          <a:solidFill>
+            <a:schemeClr val="accent1">
+              <a:alpha val="47000"/>
+            </a:schemeClr>
+          </a:solidFill>
+          <a:ln>
+            <a:solidFill>
+              <a:schemeClr val="bg1">
+                <a:lumMod val="75000"/>
+                <a:alpha val="47000"/>
+              </a:schemeClr>
+            </a:solidFill>
+          </a:ln>
+        </p:spPr>
+        <p:style>
+          <a:lnRef idx="2">
+            <a:schemeClr val="accent1">
+              <a:shade val="50000"/>
+            </a:schemeClr>
+          </a:lnRef>
+          <a:fillRef idx="1">
+            <a:schemeClr val="accent1"/>
+          </a:fillRef>
+          <a:effectRef idx="0">
+            <a:schemeClr val="accent1"/>
+          </a:effectRef>
+          <a:fontRef idx="minor">
+            <a:schemeClr val="lt1"/>
+          </a:fontRef>
+        </p:style>
+        <p:txBody>
+          <a:bodyPr rtlCol="0" anchor="ctr"/>
+          <a:lstStyle/>
+          <a:p>
+            <a:pPr algn="ctr"/>
+            <a:r>
+              <a:rPr lang="en-US" dirty="0" smtClean="0">
+                <a:solidFill>
+                  <a:schemeClr val="lt1">
+                    <a:alpha val="47000"/>
+                  </a:schemeClr>
+                </a:solidFill>
+              </a:rPr>
+              <a:t>Authentication</a:t>
+            </a:r>
+            <a:endParaRPr lang="en-US" dirty="0">
+              <a:solidFill>
+                <a:schemeClr val="lt1">
+                  <a:alpha val="47000"/>
+                </a:schemeClr>
+              </a:solidFill>
+            </a:endParaRPr>
+          </a:p>
+        </p:txBody>
+      </p:sp>
+      <p:cxnSp>
+        <p:nvCxnSpPr>
+          <p:cNvPr id="106" name="Straight Connector 105"/>
+          <p:cNvCxnSpPr>
+            <a:stCxn id="105" idx="3"/>
+          </p:cNvCxnSpPr>
+          <p:nvPr/>
+        </p:nvCxnSpPr>
+        <p:spPr>
+          <a:xfrm flipV="1">
+            <a:off x="3642101" y="3660383"/>
+            <a:ext cx="1518464" cy="693645"/>
+          </a:xfrm>
+          <a:prstGeom prst="line">
+            <a:avLst/>
+          </a:prstGeom>
+          <a:ln w="38100">
+            <a:solidFill>
+              <a:schemeClr val="bg1">
+                <a:lumMod val="75000"/>
+                <a:alpha val="47000"/>
+              </a:schemeClr>
+            </a:solidFill>
+            <a:prstDash val="solid"/>
+            <a:headEnd type="triangle" w="med" len="med"/>
+            <a:tailEnd type="triangle" w="med" len="med"/>
+          </a:ln>
+        </p:spPr>
+        <p:style>
+          <a:lnRef idx="1">
+            <a:schemeClr val="accent1"/>
+          </a:lnRef>
+          <a:fillRef idx="0">
+            <a:schemeClr val="accent1"/>
+          </a:fillRef>
+          <a:effectRef idx="0">
+            <a:schemeClr val="accent1"/>
+          </a:effectRef>
+          <a:fontRef idx="minor">
+            <a:schemeClr val="tx1"/>
+          </a:fontRef>
+        </p:style>
+      </p:cxnSp>
+      <p:sp>
+        <p:nvSpPr>
+          <p:cNvPr id="117" name="Rectangle 116"/>
+          <p:cNvSpPr/>
+          <p:nvPr/>
+        </p:nvSpPr>
+        <p:spPr>
+          <a:xfrm>
+            <a:off x="8545712" y="1844438"/>
+            <a:ext cx="2624606" cy="559326"/>
+          </a:xfrm>
+          <a:prstGeom prst="rect">
+            <a:avLst/>
+          </a:prstGeom>
+          <a:solidFill>
+            <a:schemeClr val="accent1"/>
+          </a:solidFill>
+          <a:ln>
+            <a:solidFill>
+              <a:schemeClr val="bg1">
+                <a:lumMod val="75000"/>
+              </a:schemeClr>
+            </a:solidFill>
+          </a:ln>
+        </p:spPr>
+        <p:style>
+          <a:lnRef idx="2">
+            <a:schemeClr val="accent1">
+              <a:shade val="50000"/>
+            </a:schemeClr>
+          </a:lnRef>
+          <a:fillRef idx="1">
+            <a:schemeClr val="accent1"/>
+          </a:fillRef>
+          <a:effectRef idx="0">
+            <a:schemeClr val="accent1"/>
+          </a:effectRef>
+          <a:fontRef idx="minor">
+            <a:schemeClr val="lt1"/>
+          </a:fontRef>
+        </p:style>
+        <p:txBody>
+          <a:bodyPr rtlCol="0" anchor="ctr"/>
+          <a:lstStyle/>
+          <a:p>
+            <a:pPr algn="ctr"/>
+            <a:r>
+              <a:rPr lang="en-US" dirty="0" smtClean="0"/>
+              <a:t>Video Upload</a:t>
+            </a:r>
+            <a:endParaRPr lang="en-US" dirty="0"/>
+          </a:p>
+        </p:txBody>
+      </p:sp>
+      <p:cxnSp>
+        <p:nvCxnSpPr>
+          <p:cNvPr id="118" name="Straight Connector 117"/>
+          <p:cNvCxnSpPr>
+            <a:endCxn id="3" idx="0"/>
+          </p:cNvCxnSpPr>
+          <p:nvPr/>
+        </p:nvCxnSpPr>
+        <p:spPr>
+          <a:xfrm flipH="1">
+            <a:off x="9863698" y="2401280"/>
+            <a:ext cx="1" cy="244717"/>
+          </a:xfrm>
+          <a:prstGeom prst="line">
+            <a:avLst/>
+          </a:prstGeom>
+          <a:ln w="38100">
+            <a:solidFill>
+              <a:schemeClr val="bg1">
+                <a:lumMod val="75000"/>
+              </a:schemeClr>
+            </a:solidFill>
+            <a:prstDash val="solid"/>
+            <a:headEnd type="none" w="med" len="med"/>
+            <a:tailEnd type="triangle" w="med" len="med"/>
+          </a:ln>
+        </p:spPr>
+        <p:style>
+          <a:lnRef idx="1">
+            <a:schemeClr val="accent1"/>
+          </a:lnRef>
+          <a:fillRef idx="0">
+            <a:schemeClr val="accent1"/>
+          </a:fillRef>
+          <a:effectRef idx="0">
+            <a:schemeClr val="accent1"/>
+          </a:effectRef>
+          <a:fontRef idx="minor">
+            <a:schemeClr val="tx1"/>
+          </a:fontRef>
+        </p:style>
+      </p:cxnSp>
+    </p:spTree>
+    <p:extLst>
+      <p:ext uri="{BB962C8B-B14F-4D97-AF65-F5344CB8AC3E}">
+        <p14:creationId xmlns:p14="http://schemas.microsoft.com/office/powerpoint/2010/main" val="117904641"/>
+      </p:ext>
+    </p:extLst>
+  </p:cSld>
+  <p:clrMapOvr>
+    <a:masterClrMapping/>
+  </p:clrMapOvr>
+  <p:transition>
+    <p:push dir="u"/>
+  </p:transition>
+  <p:timing>
+    <p:tnLst>
+      <p:par>
+        <p:cTn id="1" dur="indefinite" restart="never" nodeType="tmRoot"/>
+      </p:par>
+    </p:tnLst>
+  </p:timing>
+</p:sld>
+</file>
+
+<file path=ppt/slides/slide3.xml><?xml version="1.0" encoding="utf-8"?>
+<p:sld xmlns:a="http://schemas.openxmlformats.org/drawingml/2006/main" xmlns:r="http://schemas.openxmlformats.org/officeDocument/2006/relationships" xmlns:p="http://schemas.openxmlformats.org/presentationml/2006/main">
+  <p:cSld>
+    <p:bg>
+      <p:bgPr>
+        <a:solidFill>
           <a:srgbClr val="222A35"/>
         </a:solidFill>
         <a:effectLst/>
@@ -32564,7 +35175,7 @@
 </p:sld>
 </file>
 
-<file path=ppt/slides/slide3.xml><?xml version="1.0" encoding="utf-8"?>
+<file path=ppt/slides/slide4.xml><?xml version="1.0" encoding="utf-8"?>
 <p:sld xmlns:a="http://schemas.openxmlformats.org/drawingml/2006/main" xmlns:r="http://schemas.openxmlformats.org/officeDocument/2006/relationships" xmlns:p="http://schemas.openxmlformats.org/presentationml/2006/main">
   <p:cSld>
     <p:bg>
@@ -34382,7 +36993,7 @@
 </p:sld>
 </file>
 
-<file path=ppt/slides/slide4.xml><?xml version="1.0" encoding="utf-8"?>
+<file path=ppt/slides/slide5.xml><?xml version="1.0" encoding="utf-8"?>
 <p:sld xmlns:a="http://schemas.openxmlformats.org/drawingml/2006/main" xmlns:r="http://schemas.openxmlformats.org/officeDocument/2006/relationships" xmlns:p="http://schemas.openxmlformats.org/presentationml/2006/main">
   <p:cSld>
     <p:bg>
@@ -36652,6 +39263,243 @@
         <p:cTn id="1" dur="indefinite" restart="never" nodeType="tmRoot"/>
       </p:par>
     </p:tnLst>
+  </p:timing>
+</p:sld>
+</file>
+
+<file path=ppt/slides/slide6.xml><?xml version="1.0" encoding="utf-8"?>
+<p:sld xmlns:a="http://schemas.openxmlformats.org/drawingml/2006/main" xmlns:r="http://schemas.openxmlformats.org/officeDocument/2006/relationships" xmlns:p="http://schemas.openxmlformats.org/presentationml/2006/main">
+  <p:cSld>
+    <p:bg>
+      <p:bgPr>
+        <a:solidFill>
+          <a:srgbClr val="222A35"/>
+        </a:solidFill>
+        <a:effectLst/>
+      </p:bgPr>
+    </p:bg>
+    <p:spTree>
+      <p:nvGrpSpPr>
+        <p:cNvPr id="1" name=""/>
+        <p:cNvGrpSpPr/>
+        <p:nvPr/>
+      </p:nvGrpSpPr>
+      <p:grpSpPr>
+        <a:xfrm>
+          <a:off x="0" y="0"/>
+          <a:ext cx="0" cy="0"/>
+          <a:chOff x="0" y="0"/>
+          <a:chExt cx="0" cy="0"/>
+        </a:xfrm>
+      </p:grpSpPr>
+      <p:pic>
+        <p:nvPicPr>
+          <p:cNvPr id="21" name="Picture 20"/>
+          <p:cNvPicPr>
+            <a:picLocks noChangeAspect="1"/>
+          </p:cNvPicPr>
+          <p:nvPr/>
+        </p:nvPicPr>
+        <p:blipFill>
+          <a:blip r:embed="rId3">
+            <a:alphaModFix amt="4000"/>
+            <a:extLst>
+              <a:ext uri="{BEBA8EAE-BF5A-486C-A8C5-ECC9F3942E4B}">
+                <a14:imgProps xmlns:a14="http://schemas.microsoft.com/office/drawing/2010/main">
+                  <a14:imgLayer r:embed="rId4">
+                    <a14:imgEffect>
+                      <a14:saturation sat="0"/>
+                    </a14:imgEffect>
+                  </a14:imgLayer>
+                </a14:imgProps>
+              </a:ext>
+              <a:ext uri="{28A0092B-C50C-407E-A947-70E740481C1C}">
+                <a14:useLocalDpi xmlns:a14="http://schemas.microsoft.com/office/drawing/2010/main" val="0"/>
+              </a:ext>
+            </a:extLst>
+          </a:blip>
+          <a:stretch>
+            <a:fillRect/>
+          </a:stretch>
+        </p:blipFill>
+        <p:spPr>
+          <a:xfrm>
+            <a:off x="1183577" y="-602166"/>
+            <a:ext cx="14726920" cy="10942348"/>
+          </a:xfrm>
+          <a:prstGeom prst="rect">
+            <a:avLst/>
+          </a:prstGeom>
+        </p:spPr>
+      </p:pic>
+      <p:sp>
+        <p:nvSpPr>
+          <p:cNvPr id="5" name="Rectangle 4"/>
+          <p:cNvSpPr/>
+          <p:nvPr/>
+        </p:nvSpPr>
+        <p:spPr>
+          <a:xfrm>
+            <a:off x="2013657" y="2995479"/>
+            <a:ext cx="8226678" cy="769441"/>
+          </a:xfrm>
+          <a:prstGeom prst="rect">
+            <a:avLst/>
+          </a:prstGeom>
+          <a:noFill/>
+        </p:spPr>
+        <p:txBody>
+          <a:bodyPr wrap="square">
+            <a:spAutoFit/>
+          </a:bodyPr>
+          <a:lstStyle/>
+          <a:p>
+            <a:pPr algn="ctr"/>
+            <a:r>
+              <a:rPr lang="en-US" sz="4400" dirty="0" smtClean="0">
+                <a:solidFill>
+                  <a:schemeClr val="bg1"/>
+                </a:solidFill>
+                <a:latin typeface="Source Sans Pro Light" charset="0"/>
+                <a:ea typeface="Source Sans Pro Light" charset="0"/>
+                <a:cs typeface="Source Sans Pro Light" charset="0"/>
+              </a:rPr>
+              <a:t>Lesson </a:t>
+            </a:r>
+            <a:r>
+              <a:rPr lang="en-US" sz="4400" dirty="0" smtClean="0">
+                <a:solidFill>
+                  <a:schemeClr val="bg1"/>
+                </a:solidFill>
+                <a:latin typeface="Source Sans Pro Light" charset="0"/>
+                <a:ea typeface="Source Sans Pro Light" charset="0"/>
+                <a:cs typeface="Source Sans Pro Light" charset="0"/>
+              </a:rPr>
+              <a:t>4: </a:t>
+            </a:r>
+            <a:r>
+              <a:rPr lang="en-US" sz="4400" dirty="0" smtClean="0">
+                <a:solidFill>
+                  <a:schemeClr val="bg1"/>
+                </a:solidFill>
+                <a:latin typeface="Source Sans Pro Light" charset="0"/>
+                <a:ea typeface="Source Sans Pro Light" charset="0"/>
+                <a:cs typeface="Source Sans Pro Light" charset="0"/>
+              </a:rPr>
+              <a:t>Code Walkthrough</a:t>
+            </a:r>
+            <a:endParaRPr lang="id-ID" sz="4400" dirty="0">
+              <a:solidFill>
+                <a:schemeClr val="accent2"/>
+              </a:solidFill>
+              <a:latin typeface="Source Sans Pro Light" charset="0"/>
+              <a:ea typeface="Source Sans Pro Light" charset="0"/>
+              <a:cs typeface="Source Sans Pro Light" charset="0"/>
+            </a:endParaRPr>
+          </a:p>
+        </p:txBody>
+      </p:sp>
+    </p:spTree>
+    <p:extLst>
+      <p:ext uri="{BB962C8B-B14F-4D97-AF65-F5344CB8AC3E}">
+        <p14:creationId xmlns:p14="http://schemas.microsoft.com/office/powerpoint/2010/main" val="1896920000"/>
+      </p:ext>
+    </p:extLst>
+  </p:cSld>
+  <p:clrMapOvr>
+    <a:masterClrMapping/>
+  </p:clrMapOvr>
+  <p:transition>
+    <p:push dir="u"/>
+  </p:transition>
+  <p:timing>
+    <p:tnLst>
+      <p:par>
+        <p:cTn id="1" dur="indefinite" restart="never" nodeType="tmRoot">
+          <p:childTnLst>
+            <p:seq concurrent="1" nextAc="seek">
+              <p:cTn id="2" dur="indefinite" nodeType="mainSeq">
+                <p:childTnLst>
+                  <p:par>
+                    <p:cTn id="3" fill="hold">
+                      <p:stCondLst>
+                        <p:cond delay="indefinite"/>
+                        <p:cond evt="onBegin" delay="0">
+                          <p:tn val="2"/>
+                        </p:cond>
+                      </p:stCondLst>
+                      <p:childTnLst>
+                        <p:par>
+                          <p:cTn id="4" fill="hold">
+                            <p:stCondLst>
+                              <p:cond delay="0"/>
+                            </p:stCondLst>
+                            <p:childTnLst>
+                              <p:par>
+                                <p:cTn id="5" presetID="10" presetClass="entr" presetSubtype="0" fill="hold" grpId="0" nodeType="afterEffect">
+                                  <p:stCondLst>
+                                    <p:cond delay="0"/>
+                                  </p:stCondLst>
+                                  <p:childTnLst>
+                                    <p:set>
+                                      <p:cBhvr>
+                                        <p:cTn id="6" dur="1" fill="hold">
+                                          <p:stCondLst>
+                                            <p:cond delay="0"/>
+                                          </p:stCondLst>
+                                        </p:cTn>
+                                        <p:tgtEl>
+                                          <p:spTgt spid="5"/>
+                                        </p:tgtEl>
+                                        <p:attrNameLst>
+                                          <p:attrName>style.visibility</p:attrName>
+                                        </p:attrNameLst>
+                                      </p:cBhvr>
+                                      <p:to>
+                                        <p:strVal val="visible"/>
+                                      </p:to>
+                                    </p:set>
+                                    <p:animEffect transition="in" filter="fade">
+                                      <p:cBhvr>
+                                        <p:cTn id="7" dur="500"/>
+                                        <p:tgtEl>
+                                          <p:spTgt spid="5"/>
+                                        </p:tgtEl>
+                                      </p:cBhvr>
+                                    </p:animEffect>
+                                  </p:childTnLst>
+                                </p:cTn>
+                              </p:par>
+                            </p:childTnLst>
+                          </p:cTn>
+                        </p:par>
+                      </p:childTnLst>
+                    </p:cTn>
+                  </p:par>
+                </p:childTnLst>
+              </p:cTn>
+              <p:prevCondLst>
+                <p:cond evt="onPrev" delay="0">
+                  <p:tgtEl>
+                    <p:sldTgt/>
+                  </p:tgtEl>
+                </p:cond>
+              </p:prevCondLst>
+              <p:nextCondLst>
+                <p:cond evt="onNext" delay="0">
+                  <p:tgtEl>
+                    <p:sldTgt/>
+                  </p:tgtEl>
+                </p:cond>
+              </p:nextCondLst>
+            </p:seq>
+          </p:childTnLst>
+        </p:cTn>
+      </p:par>
+    </p:tnLst>
+    <p:bldLst>
+      <p:bldP spid="5" grpId="0"/>
+    </p:bldLst>
   </p:timing>
 </p:sld>
 </file>

--- a/lesson-4/Slides.pptx
+++ b/lesson-4/Slides.pptx
@@ -890,55 +890,35 @@
           <a:bodyPr/>
           <a:lstStyle/>
           <a:p>
+            <a:pPr marL="171450" indent="-171450">
+              <a:buFontTx/>
+              <a:buChar char="-"/>
+            </a:pPr>
             <a:r>
-              <a:rPr lang="en-US" b="1" dirty="0" smtClean="0"/>
-              <a:t>Pete</a:t>
+              <a:rPr lang="en-US" dirty="0" smtClean="0"/>
+              <a:t>There are two</a:t>
+            </a:r>
+            <a:r>
+              <a:rPr lang="en-US" baseline="0" dirty="0" smtClean="0"/>
+              <a:t> steps we need to carry out to upload a file to an S3 bucket.</a:t>
             </a:r>
           </a:p>
           <a:p>
-            <a:r>
-              <a:rPr lang="en-US" dirty="0" smtClean="0"/>
-              <a:t>Here’s a basic use cases where Lambda functions serve as a back end for a web</a:t>
-            </a:r>
+            <a:pPr marL="171450" indent="-171450">
+              <a:buFontTx/>
+              <a:buChar char="-"/>
+            </a:pPr>
             <a:r>
               <a:rPr lang="en-US" baseline="0" dirty="0" smtClean="0"/>
-              <a:t> or a mobile application. Our client application talks to Lambda functions via the API Gateway. As far as a client is aware, it is talking to a </a:t>
-            </a:r>
-            <a:r>
-              <a:rPr lang="en-US" baseline="0" dirty="0" err="1" smtClean="0"/>
-              <a:t>RESTful</a:t>
-            </a:r>
-            <a:r>
-              <a:rPr lang="en-US" baseline="0" dirty="0" smtClean="0"/>
-              <a:t> interface using HTTP. It doesn’t know that there are Lambda functions behind this </a:t>
-            </a:r>
-            <a:r>
-              <a:rPr lang="en-US" baseline="0" dirty="0" err="1" smtClean="0"/>
-              <a:t>RESTful</a:t>
-            </a:r>
-            <a:r>
-              <a:rPr lang="en-US" baseline="0" dirty="0" smtClean="0"/>
-              <a:t> interface and it doesn’t really need to know. </a:t>
+              <a:t>Get the credentials (generated by a Lambda function)</a:t>
             </a:r>
           </a:p>
           <a:p>
+            <a:pPr marL="171450" indent="-171450">
+              <a:buFontTx/>
+              <a:buChar char="-"/>
+            </a:pPr>
             <a:endParaRPr lang="en-US" baseline="0" dirty="0" smtClean="0"/>
-          </a:p>
-          <a:p>
-            <a:r>
-              <a:rPr lang="en-US" baseline="0" dirty="0" smtClean="0"/>
-              <a:t>The Lambda runtime instantiates required Lambda functions for each request. Security is taken care of at the API Gateway or at each individual function. Our system can handle many simultaneous requests. </a:t>
-            </a:r>
-          </a:p>
-          <a:p>
-            <a:endParaRPr lang="en-US" baseline="0" dirty="0" smtClean="0"/>
-          </a:p>
-          <a:p>
-            <a:r>
-              <a:rPr lang="en-US" baseline="0" dirty="0" smtClean="0"/>
-              <a:t>Every Lambda function connected to the API Gateway receives a request, does the required processing and returns a response via the API Gateway. Every Lambda function can invoke another Lambda function or another service. And, it doesn’t have to be an AWS service. We use Firebase as our primary user-facing database and our Lambda functions regularly talk to it.</a:t>
-            </a:r>
-            <a:endParaRPr lang="en-US" dirty="0"/>
           </a:p>
         </p:txBody>
       </p:sp>
@@ -1023,52 +1003,16 @@
           <a:lstStyle/>
           <a:p>
             <a:r>
-              <a:rPr lang="en-US" b="1" dirty="0" smtClean="0"/>
-              <a:t>Pete</a:t>
-            </a:r>
-          </a:p>
-          <a:p>
-            <a:r>
               <a:rPr lang="en-US" dirty="0" smtClean="0"/>
-              <a:t>Here’s a basic use cases where Lambda functions serve as a back end for a web</a:t>
+              <a:t>-</a:t>
             </a:r>
             <a:r>
               <a:rPr lang="en-US" baseline="0" dirty="0" smtClean="0"/>
-              <a:t> or a mobile application. Our client application talks to Lambda functions via the API Gateway. As far as a client is aware, it is talking to a </a:t>
+              <a:t> Upload the file to S3 and set up the event in S3 to kick of </a:t>
             </a:r>
             <a:r>
-              <a:rPr lang="en-US" baseline="0" dirty="0" err="1" smtClean="0"/>
-              <a:t>RESTful</a:t>
-            </a:r>
-            <a:r>
-              <a:rPr lang="en-US" baseline="0" dirty="0" smtClean="0"/>
-              <a:t> interface using HTTP. It doesn’t know that there are Lambda functions behind this </a:t>
-            </a:r>
-            <a:r>
-              <a:rPr lang="en-US" baseline="0" dirty="0" err="1" smtClean="0"/>
-              <a:t>RESTful</a:t>
-            </a:r>
-            <a:r>
-              <a:rPr lang="en-US" baseline="0" dirty="0" smtClean="0"/>
-              <a:t> interface and it doesn’t really need to know. </a:t>
-            </a:r>
-          </a:p>
-          <a:p>
-            <a:endParaRPr lang="en-US" baseline="0" dirty="0" smtClean="0"/>
-          </a:p>
-          <a:p>
-            <a:r>
-              <a:rPr lang="en-US" baseline="0" dirty="0" smtClean="0"/>
-              <a:t>The Lambda runtime instantiates required Lambda functions for each request. Security is taken care of at the API Gateway or at each individual function. Our system can handle many simultaneous requests. </a:t>
-            </a:r>
-          </a:p>
-          <a:p>
-            <a:endParaRPr lang="en-US" baseline="0" dirty="0" smtClean="0"/>
-          </a:p>
-          <a:p>
-            <a:r>
-              <a:rPr lang="en-US" baseline="0" dirty="0" smtClean="0"/>
-              <a:t>Every Lambda function connected to the API Gateway receives a request, does the required processing and returns a response via the API Gateway. Every Lambda function can invoke another Lambda function or another service. And, it doesn’t have to be an AWS service. We use Firebase as our primary user-facing database and our Lambda functions regularly talk to it.</a:t>
+              <a:rPr lang="en-US" baseline="0" smtClean="0"/>
+              <a:t>the transcoding pipeline</a:t>
             </a:r>
             <a:endParaRPr lang="en-US" dirty="0"/>
           </a:p>
@@ -1154,54 +1098,6 @@
           <a:bodyPr/>
           <a:lstStyle/>
           <a:p>
-            <a:r>
-              <a:rPr lang="en-US" b="1" dirty="0" smtClean="0"/>
-              <a:t>Pete</a:t>
-            </a:r>
-          </a:p>
-          <a:p>
-            <a:r>
-              <a:rPr lang="en-US" dirty="0" smtClean="0"/>
-              <a:t>Here’s a basic use cases where Lambda functions serve as a back end for a web</a:t>
-            </a:r>
-            <a:r>
-              <a:rPr lang="en-US" baseline="0" dirty="0" smtClean="0"/>
-              <a:t> or a mobile application. Our client application talks to Lambda functions via the API Gateway. As far as a client is aware, it is talking to a </a:t>
-            </a:r>
-            <a:r>
-              <a:rPr lang="en-US" baseline="0" dirty="0" err="1" smtClean="0"/>
-              <a:t>RESTful</a:t>
-            </a:r>
-            <a:r>
-              <a:rPr lang="en-US" baseline="0" dirty="0" smtClean="0"/>
-              <a:t> interface using HTTP. It doesn’t know that there are Lambda functions behind this </a:t>
-            </a:r>
-            <a:r>
-              <a:rPr lang="en-US" baseline="0" dirty="0" err="1" smtClean="0"/>
-              <a:t>RESTful</a:t>
-            </a:r>
-            <a:r>
-              <a:rPr lang="en-US" baseline="0" dirty="0" smtClean="0"/>
-              <a:t> interface and it doesn’t really need to know. </a:t>
-            </a:r>
-          </a:p>
-          <a:p>
-            <a:endParaRPr lang="en-US" baseline="0" dirty="0" smtClean="0"/>
-          </a:p>
-          <a:p>
-            <a:r>
-              <a:rPr lang="en-US" baseline="0" dirty="0" smtClean="0"/>
-              <a:t>The Lambda runtime instantiates required Lambda functions for each request. Security is taken care of at the API Gateway or at each individual function. Our system can handle many simultaneous requests. </a:t>
-            </a:r>
-          </a:p>
-          <a:p>
-            <a:endParaRPr lang="en-US" baseline="0" dirty="0" smtClean="0"/>
-          </a:p>
-          <a:p>
-            <a:r>
-              <a:rPr lang="en-US" baseline="0" dirty="0" smtClean="0"/>
-              <a:t>Every Lambda function connected to the API Gateway receives a request, does the required processing and returns a response via the API Gateway. Every Lambda function can invoke another Lambda function or another service. And, it doesn’t have to be an AWS service. We use Firebase as our primary user-facing database and our Lambda functions regularly talk to it.</a:t>
-            </a:r>
             <a:endParaRPr lang="en-US" dirty="0"/>
           </a:p>
         </p:txBody>
@@ -31194,7 +31090,7 @@
             </a:ln>
             <a:extLst>
               <a:ext uri="{91240B29-F687-4f45-9708-019B960494DF}">
-                <a14:hiddenLine xmlns="" xmlns:a14="http://schemas.microsoft.com/office/drawing/2010/main" w="9525">
+                <a14:hiddenLine xmlns:a14="http://schemas.microsoft.com/office/drawing/2010/main" xmlns="" w="9525">
                   <a:solidFill>
                     <a:srgbClr val="000000"/>
                   </a:solidFill>
@@ -31556,14 +31452,14 @@
             </a:ln>
             <a:extLst>
               <a:ext uri="{909E8E84-426E-40dd-AFC4-6F175D3DCCD1}">
-                <a14:hiddenFill xmlns="" xmlns:a14="http://schemas.microsoft.com/office/drawing/2010/main">
+                <a14:hiddenFill xmlns:a14="http://schemas.microsoft.com/office/drawing/2010/main" xmlns="">
                   <a:solidFill>
                     <a:srgbClr val="FFFFFF"/>
                   </a:solidFill>
                 </a14:hiddenFill>
               </a:ext>
               <a:ext uri="{91240B29-F687-4f45-9708-019B960494DF}">
-                <a14:hiddenLine xmlns="" xmlns:a14="http://schemas.microsoft.com/office/drawing/2010/main" w="9525">
+                <a14:hiddenLine xmlns:a14="http://schemas.microsoft.com/office/drawing/2010/main" xmlns="" w="9525">
                   <a:solidFill>
                     <a:srgbClr val="000000"/>
                   </a:solidFill>
@@ -31610,7 +31506,7 @@
             </a:ln>
             <a:extLst>
               <a:ext uri="{91240B29-F687-4f45-9708-019B960494DF}">
-                <a14:hiddenLine xmlns="" xmlns:a14="http://schemas.microsoft.com/office/drawing/2010/main" w="9525">
+                <a14:hiddenLine xmlns:a14="http://schemas.microsoft.com/office/drawing/2010/main" xmlns="" w="9525">
                   <a:solidFill>
                     <a:srgbClr val="000000"/>
                   </a:solidFill>
@@ -31793,14 +31689,14 @@
             </a:ln>
             <a:extLst>
               <a:ext uri="{909E8E84-426E-40dd-AFC4-6F175D3DCCD1}">
-                <a14:hiddenFill xmlns="" xmlns:a14="http://schemas.microsoft.com/office/drawing/2010/main">
+                <a14:hiddenFill xmlns:a14="http://schemas.microsoft.com/office/drawing/2010/main" xmlns="">
                   <a:solidFill>
                     <a:srgbClr val="FFFFFF"/>
                   </a:solidFill>
                 </a14:hiddenFill>
               </a:ext>
               <a:ext uri="{91240B29-F687-4f45-9708-019B960494DF}">
-                <a14:hiddenLine xmlns="" xmlns:a14="http://schemas.microsoft.com/office/drawing/2010/main" w="9525">
+                <a14:hiddenLine xmlns:a14="http://schemas.microsoft.com/office/drawing/2010/main" xmlns="" w="9525">
                   <a:solidFill>
                     <a:srgbClr val="000000"/>
                   </a:solidFill>
@@ -32652,7 +32548,7 @@
             </a:ln>
             <a:extLst>
               <a:ext uri="{91240B29-F687-4f45-9708-019B960494DF}">
-                <a14:hiddenLine xmlns="" xmlns:a14="http://schemas.microsoft.com/office/drawing/2010/main" w="9525">
+                <a14:hiddenLine xmlns:a14="http://schemas.microsoft.com/office/drawing/2010/main" xmlns="" w="9525">
                   <a:solidFill>
                     <a:srgbClr val="000000"/>
                   </a:solidFill>
@@ -32699,7 +32595,7 @@
             </a:ln>
             <a:extLst>
               <a:ext uri="{91240B29-F687-4f45-9708-019B960494DF}">
-                <a14:hiddenLine xmlns="" xmlns:a14="http://schemas.microsoft.com/office/drawing/2010/main" w="9525">
+                <a14:hiddenLine xmlns:a14="http://schemas.microsoft.com/office/drawing/2010/main" xmlns="" w="9525">
                   <a:solidFill>
                     <a:srgbClr val="000000"/>
                   </a:solidFill>
@@ -32746,7 +32642,7 @@
             </a:ln>
             <a:extLst>
               <a:ext uri="{91240B29-F687-4f45-9708-019B960494DF}">
-                <a14:hiddenLine xmlns="" xmlns:a14="http://schemas.microsoft.com/office/drawing/2010/main" w="9525">
+                <a14:hiddenLine xmlns:a14="http://schemas.microsoft.com/office/drawing/2010/main" xmlns="" w="9525">
                   <a:solidFill>
                     <a:srgbClr val="000000"/>
                   </a:solidFill>
@@ -34009,7 +33905,7 @@
             </a:ln>
             <a:extLst>
               <a:ext uri="{91240B29-F687-4f45-9708-019B960494DF}">
-                <a14:hiddenLine xmlns="" xmlns:a14="http://schemas.microsoft.com/office/drawing/2010/main" w="9525">
+                <a14:hiddenLine xmlns:a14="http://schemas.microsoft.com/office/drawing/2010/main" xmlns="" w="9525">
                   <a:solidFill>
                     <a:srgbClr val="000000"/>
                   </a:solidFill>
@@ -34056,7 +33952,7 @@
             </a:ln>
             <a:extLst>
               <a:ext uri="{91240B29-F687-4f45-9708-019B960494DF}">
-                <a14:hiddenLine xmlns="" xmlns:a14="http://schemas.microsoft.com/office/drawing/2010/main" w="9525">
+                <a14:hiddenLine xmlns:a14="http://schemas.microsoft.com/office/drawing/2010/main" xmlns="" w="9525">
                   <a:solidFill>
                     <a:srgbClr val="000000"/>
                   </a:solidFill>
@@ -34103,7 +33999,7 @@
             </a:ln>
             <a:extLst>
               <a:ext uri="{91240B29-F687-4f45-9708-019B960494DF}">
-                <a14:hiddenLine xmlns="" xmlns:a14="http://schemas.microsoft.com/office/drawing/2010/main" w="9525">
+                <a14:hiddenLine xmlns:a14="http://schemas.microsoft.com/office/drawing/2010/main" xmlns="" w="9525">
                   <a:solidFill>
                     <a:srgbClr val="000000"/>
                   </a:solidFill>
@@ -34251,7 +34147,7 @@
             </a:ln>
             <a:extLst>
               <a:ext uri="{91240B29-F687-4f45-9708-019B960494DF}">
-                <a14:hiddenLine xmlns="" xmlns:a14="http://schemas.microsoft.com/office/drawing/2010/main" w="9525">
+                <a14:hiddenLine xmlns:a14="http://schemas.microsoft.com/office/drawing/2010/main" xmlns="" w="9525">
                   <a:solidFill>
                     <a:srgbClr val="000000"/>
                   </a:solidFill>
@@ -34613,14 +34509,14 @@
             </a:ln>
             <a:extLst>
               <a:ext uri="{909E8E84-426E-40dd-AFC4-6F175D3DCCD1}">
-                <a14:hiddenFill xmlns="" xmlns:a14="http://schemas.microsoft.com/office/drawing/2010/main">
+                <a14:hiddenFill xmlns:a14="http://schemas.microsoft.com/office/drawing/2010/main" xmlns="">
                   <a:solidFill>
                     <a:srgbClr val="FFFFFF"/>
                   </a:solidFill>
                 </a14:hiddenFill>
               </a:ext>
               <a:ext uri="{91240B29-F687-4f45-9708-019B960494DF}">
-                <a14:hiddenLine xmlns="" xmlns:a14="http://schemas.microsoft.com/office/drawing/2010/main" w="9525">
+                <a14:hiddenLine xmlns:a14="http://schemas.microsoft.com/office/drawing/2010/main" xmlns="" w="9525">
                   <a:solidFill>
                     <a:srgbClr val="000000"/>
                   </a:solidFill>
@@ -34667,7 +34563,7 @@
             </a:ln>
             <a:extLst>
               <a:ext uri="{91240B29-F687-4f45-9708-019B960494DF}">
-                <a14:hiddenLine xmlns="" xmlns:a14="http://schemas.microsoft.com/office/drawing/2010/main" w="9525">
+                <a14:hiddenLine xmlns:a14="http://schemas.microsoft.com/office/drawing/2010/main" xmlns="" w="9525">
                   <a:solidFill>
                     <a:srgbClr val="000000"/>
                   </a:solidFill>
@@ -34850,14 +34746,14 @@
             </a:ln>
             <a:extLst>
               <a:ext uri="{909E8E84-426E-40dd-AFC4-6F175D3DCCD1}">
-                <a14:hiddenFill xmlns="" xmlns:a14="http://schemas.microsoft.com/office/drawing/2010/main">
+                <a14:hiddenFill xmlns:a14="http://schemas.microsoft.com/office/drawing/2010/main" xmlns="">
                   <a:solidFill>
                     <a:srgbClr val="FFFFFF"/>
                   </a:solidFill>
                 </a14:hiddenFill>
               </a:ext>
               <a:ext uri="{91240B29-F687-4f45-9708-019B960494DF}">
-                <a14:hiddenLine xmlns="" xmlns:a14="http://schemas.microsoft.com/office/drawing/2010/main" w="9525">
+                <a14:hiddenLine xmlns:a14="http://schemas.microsoft.com/office/drawing/2010/main" xmlns="" w="9525">
                   <a:solidFill>
                     <a:srgbClr val="000000"/>
                   </a:solidFill>
@@ -35779,7 +35675,7 @@
             </a:ln>
             <a:extLst>
               <a:ext uri="{91240B29-F687-4f45-9708-019B960494DF}">
-                <a14:hiddenLine xmlns="" xmlns:a14="http://schemas.microsoft.com/office/drawing/2010/main" w="9525">
+                <a14:hiddenLine xmlns:a14="http://schemas.microsoft.com/office/drawing/2010/main" xmlns="" w="9525">
                   <a:solidFill>
                     <a:srgbClr val="000000"/>
                   </a:solidFill>
@@ -35826,7 +35722,7 @@
             </a:ln>
             <a:extLst>
               <a:ext uri="{91240B29-F687-4f45-9708-019B960494DF}">
-                <a14:hiddenLine xmlns="" xmlns:a14="http://schemas.microsoft.com/office/drawing/2010/main" w="9525">
+                <a14:hiddenLine xmlns:a14="http://schemas.microsoft.com/office/drawing/2010/main" xmlns="" w="9525">
                   <a:solidFill>
                     <a:srgbClr val="000000"/>
                   </a:solidFill>
@@ -35873,7 +35769,7 @@
             </a:ln>
             <a:extLst>
               <a:ext uri="{91240B29-F687-4f45-9708-019B960494DF}">
-                <a14:hiddenLine xmlns="" xmlns:a14="http://schemas.microsoft.com/office/drawing/2010/main" w="9525">
+                <a14:hiddenLine xmlns:a14="http://schemas.microsoft.com/office/drawing/2010/main" xmlns="" w="9525">
                   <a:solidFill>
                     <a:srgbClr val="000000"/>
                   </a:solidFill>
@@ -36021,7 +35917,7 @@
             </a:ln>
             <a:extLst>
               <a:ext uri="{91240B29-F687-4f45-9708-019B960494DF}">
-                <a14:hiddenLine xmlns="" xmlns:a14="http://schemas.microsoft.com/office/drawing/2010/main" w="9525">
+                <a14:hiddenLine xmlns:a14="http://schemas.microsoft.com/office/drawing/2010/main" xmlns="" w="9525">
                   <a:solidFill>
                     <a:srgbClr val="000000"/>
                   </a:solidFill>
@@ -36383,14 +36279,14 @@
             </a:ln>
             <a:extLst>
               <a:ext uri="{909E8E84-426E-40dd-AFC4-6F175D3DCCD1}">
-                <a14:hiddenFill xmlns="" xmlns:a14="http://schemas.microsoft.com/office/drawing/2010/main">
+                <a14:hiddenFill xmlns:a14="http://schemas.microsoft.com/office/drawing/2010/main" xmlns="">
                   <a:solidFill>
                     <a:srgbClr val="FFFFFF"/>
                   </a:solidFill>
                 </a14:hiddenFill>
               </a:ext>
               <a:ext uri="{91240B29-F687-4f45-9708-019B960494DF}">
-                <a14:hiddenLine xmlns="" xmlns:a14="http://schemas.microsoft.com/office/drawing/2010/main" w="9525">
+                <a14:hiddenLine xmlns:a14="http://schemas.microsoft.com/office/drawing/2010/main" xmlns="" w="9525">
                   <a:solidFill>
                     <a:srgbClr val="000000"/>
                   </a:solidFill>
@@ -36437,7 +36333,7 @@
             </a:ln>
             <a:extLst>
               <a:ext uri="{91240B29-F687-4f45-9708-019B960494DF}">
-                <a14:hiddenLine xmlns="" xmlns:a14="http://schemas.microsoft.com/office/drawing/2010/main" w="9525">
+                <a14:hiddenLine xmlns:a14="http://schemas.microsoft.com/office/drawing/2010/main" xmlns="" w="9525">
                   <a:solidFill>
                     <a:srgbClr val="000000"/>
                   </a:solidFill>
@@ -36620,14 +36516,14 @@
             </a:ln>
             <a:extLst>
               <a:ext uri="{909E8E84-426E-40dd-AFC4-6F175D3DCCD1}">
-                <a14:hiddenFill xmlns="" xmlns:a14="http://schemas.microsoft.com/office/drawing/2010/main">
+                <a14:hiddenFill xmlns:a14="http://schemas.microsoft.com/office/drawing/2010/main" xmlns="">
                   <a:solidFill>
                     <a:srgbClr val="FFFFFF"/>
                   </a:solidFill>
                 </a14:hiddenFill>
               </a:ext>
               <a:ext uri="{91240B29-F687-4f45-9708-019B960494DF}">
-                <a14:hiddenLine xmlns="" xmlns:a14="http://schemas.microsoft.com/office/drawing/2010/main" w="9525">
+                <a14:hiddenLine xmlns:a14="http://schemas.microsoft.com/office/drawing/2010/main" xmlns="" w="9525">
                   <a:solidFill>
                     <a:srgbClr val="000000"/>
                   </a:solidFill>
@@ -37812,7 +37708,7 @@
             </a:ln>
             <a:extLst>
               <a:ext uri="{91240B29-F687-4f45-9708-019B960494DF}">
-                <a14:hiddenLine xmlns="" xmlns:a14="http://schemas.microsoft.com/office/drawing/2010/main" w="9525">
+                <a14:hiddenLine xmlns:a14="http://schemas.microsoft.com/office/drawing/2010/main" xmlns="" w="9525">
                   <a:solidFill>
                     <a:srgbClr val="000000"/>
                   </a:solidFill>
@@ -37859,7 +37755,7 @@
             </a:ln>
             <a:extLst>
               <a:ext uri="{91240B29-F687-4f45-9708-019B960494DF}">
-                <a14:hiddenLine xmlns="" xmlns:a14="http://schemas.microsoft.com/office/drawing/2010/main" w="9525">
+                <a14:hiddenLine xmlns:a14="http://schemas.microsoft.com/office/drawing/2010/main" xmlns="" w="9525">
                   <a:solidFill>
                     <a:srgbClr val="000000"/>
                   </a:solidFill>
@@ -37906,7 +37802,7 @@
             </a:ln>
             <a:extLst>
               <a:ext uri="{91240B29-F687-4f45-9708-019B960494DF}">
-                <a14:hiddenLine xmlns="" xmlns:a14="http://schemas.microsoft.com/office/drawing/2010/main" w="9525">
+                <a14:hiddenLine xmlns:a14="http://schemas.microsoft.com/office/drawing/2010/main" xmlns="" w="9525">
                   <a:solidFill>
                     <a:srgbClr val="000000"/>
                   </a:solidFill>
@@ -38054,7 +37950,7 @@
             </a:ln>
             <a:extLst>
               <a:ext uri="{91240B29-F687-4f45-9708-019B960494DF}">
-                <a14:hiddenLine xmlns="" xmlns:a14="http://schemas.microsoft.com/office/drawing/2010/main" w="9525">
+                <a14:hiddenLine xmlns:a14="http://schemas.microsoft.com/office/drawing/2010/main" xmlns="" w="9525">
                   <a:solidFill>
                     <a:srgbClr val="000000"/>
                   </a:solidFill>
@@ -38416,14 +38312,14 @@
             </a:ln>
             <a:extLst>
               <a:ext uri="{909E8E84-426E-40dd-AFC4-6F175D3DCCD1}">
-                <a14:hiddenFill xmlns="" xmlns:a14="http://schemas.microsoft.com/office/drawing/2010/main">
+                <a14:hiddenFill xmlns:a14="http://schemas.microsoft.com/office/drawing/2010/main" xmlns="">
                   <a:solidFill>
                     <a:srgbClr val="FFFFFF"/>
                   </a:solidFill>
                 </a14:hiddenFill>
               </a:ext>
               <a:ext uri="{91240B29-F687-4f45-9708-019B960494DF}">
-                <a14:hiddenLine xmlns="" xmlns:a14="http://schemas.microsoft.com/office/drawing/2010/main" w="9525">
+                <a14:hiddenLine xmlns:a14="http://schemas.microsoft.com/office/drawing/2010/main" xmlns="" w="9525">
                   <a:solidFill>
                     <a:srgbClr val="000000"/>
                   </a:solidFill>
@@ -38470,7 +38366,7 @@
             </a:ln>
             <a:extLst>
               <a:ext uri="{91240B29-F687-4f45-9708-019B960494DF}">
-                <a14:hiddenLine xmlns="" xmlns:a14="http://schemas.microsoft.com/office/drawing/2010/main" w="9525">
+                <a14:hiddenLine xmlns:a14="http://schemas.microsoft.com/office/drawing/2010/main" xmlns="" w="9525">
                   <a:solidFill>
                     <a:srgbClr val="000000"/>
                   </a:solidFill>
@@ -38653,14 +38549,14 @@
             </a:ln>
             <a:extLst>
               <a:ext uri="{909E8E84-426E-40dd-AFC4-6F175D3DCCD1}">
-                <a14:hiddenFill xmlns="" xmlns:a14="http://schemas.microsoft.com/office/drawing/2010/main">
+                <a14:hiddenFill xmlns:a14="http://schemas.microsoft.com/office/drawing/2010/main" xmlns="">
                   <a:solidFill>
                     <a:srgbClr val="FFFFFF"/>
                   </a:solidFill>
                 </a14:hiddenFill>
               </a:ext>
               <a:ext uri="{91240B29-F687-4f45-9708-019B960494DF}">
-                <a14:hiddenLine xmlns="" xmlns:a14="http://schemas.microsoft.com/office/drawing/2010/main" w="9525">
+                <a14:hiddenLine xmlns:a14="http://schemas.microsoft.com/office/drawing/2010/main" xmlns="" w="9525">
                   <a:solidFill>
                     <a:srgbClr val="000000"/>
                   </a:solidFill>
@@ -39364,29 +39260,7 @@
                 <a:ea typeface="Source Sans Pro Light" charset="0"/>
                 <a:cs typeface="Source Sans Pro Light" charset="0"/>
               </a:rPr>
-              <a:t>Lesson </a:t>
-            </a:r>
-            <a:r>
-              <a:rPr lang="en-US" sz="4400" dirty="0" smtClean="0">
-                <a:solidFill>
-                  <a:schemeClr val="bg1"/>
-                </a:solidFill>
-                <a:latin typeface="Source Sans Pro Light" charset="0"/>
-                <a:ea typeface="Source Sans Pro Light" charset="0"/>
-                <a:cs typeface="Source Sans Pro Light" charset="0"/>
-              </a:rPr>
-              <a:t>4: </a:t>
-            </a:r>
-            <a:r>
-              <a:rPr lang="en-US" sz="4400" dirty="0" smtClean="0">
-                <a:solidFill>
-                  <a:schemeClr val="bg1"/>
-                </a:solidFill>
-                <a:latin typeface="Source Sans Pro Light" charset="0"/>
-                <a:ea typeface="Source Sans Pro Light" charset="0"/>
-                <a:cs typeface="Source Sans Pro Light" charset="0"/>
-              </a:rPr>
-              <a:t>Code Walkthrough</a:t>
+              <a:t>Lesson 4: Code Walkthrough</a:t>
             </a:r>
             <a:endParaRPr lang="id-ID" sz="4400" dirty="0">
               <a:solidFill>
